--- a/docs/slides/Find.pptx
+++ b/docs/slides/Find.pptx
@@ -357,7 +357,7 @@
           <a:p>
             <a:fld id="{9629A0FB-7277-41B0-BEC2-EE35F8B0CE39}" type="datetimeFigureOut">
               <a:rPr lang="en-SG" smtClean="0"/>
-              <a:t>2/4/2020</a:t>
+              <a:t>5/4/2020</a:t>
             </a:fld>
             <a:endParaRPr lang="en-SG"/>
           </a:p>
@@ -4026,76 +4026,6 @@
       </p:sp>
       <p:sp>
         <p:nvSpPr>
-          <p:cNvPr id="6" name="Text Box 11"/>
-          <p:cNvSpPr txBox="1">
-            <a:spLocks noChangeArrowheads="1"/>
-          </p:cNvSpPr>
-          <p:nvPr/>
-        </p:nvSpPr>
-        <p:spPr bwMode="auto">
-          <a:xfrm>
-            <a:off x="2571683" y="1515750"/>
-            <a:ext cx="967275" cy="600164"/>
-          </a:xfrm>
-          <a:prstGeom prst="rect">
-            <a:avLst/>
-          </a:prstGeom>
-          <a:solidFill>
-            <a:schemeClr val="accent4">
-              <a:lumMod val="40000"/>
-              <a:lumOff val="60000"/>
-            </a:schemeClr>
-          </a:solidFill>
-          <a:ln w="19050">
-            <a:solidFill>
-              <a:schemeClr val="accent4">
-                <a:lumMod val="75000"/>
-              </a:schemeClr>
-            </a:solidFill>
-            <a:headEnd/>
-            <a:tailEnd/>
-          </a:ln>
-        </p:spPr>
-        <p:style>
-          <a:lnRef idx="1">
-            <a:schemeClr val="accent4"/>
-          </a:lnRef>
-          <a:fillRef idx="2">
-            <a:schemeClr val="accent4"/>
-          </a:fillRef>
-          <a:effectRef idx="1">
-            <a:schemeClr val="accent4"/>
-          </a:effectRef>
-          <a:fontRef idx="minor">
-            <a:schemeClr val="dk1"/>
-          </a:fontRef>
-        </p:style>
-        <p:txBody>
-          <a:bodyPr wrap="square" tIns="182880" bIns="182880">
-            <a:spAutoFit/>
-          </a:bodyPr>
-          <a:lstStyle/>
-          <a:p>
-            <a:pPr algn="ctr" defTabSz="872733">
-              <a:spcBef>
-                <a:spcPct val="50000"/>
-              </a:spcBef>
-              <a:buFont typeface="Wingdings" pitchFamily="2" charset="2"/>
-              <a:buNone/>
-            </a:pPr>
-            <a:r>
-              <a:rPr lang="en-US" sz="1500" dirty="0">
-                <a:solidFill>
-                  <a:prstClr val="black"/>
-                </a:solidFill>
-              </a:rPr>
-              <a:t>:Parser</a:t>
-            </a:r>
-          </a:p>
-        </p:txBody>
-      </p:sp>
-      <p:sp>
-        <p:nvSpPr>
           <p:cNvPr id="18" name="Text Box 11"/>
           <p:cNvSpPr txBox="1">
             <a:spLocks noChangeArrowheads="1"/>
@@ -4538,163 +4468,6 @@
             <a:r>
               <a:rPr lang="en-US" sz="1500" i="1" dirty="0"/>
               <a:t>Parser()</a:t>
-            </a:r>
-          </a:p>
-        </p:txBody>
-      </p:sp>
-      <p:sp>
-        <p:nvSpPr>
-          <p:cNvPr id="42" name="Text Box 11">
-            <a:extLst>
-              <a:ext uri="{FF2B5EF4-FFF2-40B4-BE49-F238E27FC236}">
-                <a16:creationId xmlns:a16="http://schemas.microsoft.com/office/drawing/2014/main" id="{569EC1FF-3CDF-4E6B-82B3-104CCA3F3E9D}"/>
-              </a:ext>
-            </a:extLst>
-          </p:cNvPr>
-          <p:cNvSpPr txBox="1">
-            <a:spLocks noChangeArrowheads="1"/>
-          </p:cNvSpPr>
-          <p:nvPr/>
-        </p:nvSpPr>
-        <p:spPr bwMode="auto">
-          <a:xfrm>
-            <a:off x="7467600" y="3112622"/>
-            <a:ext cx="1676400" cy="600164"/>
-          </a:xfrm>
-          <a:prstGeom prst="rect">
-            <a:avLst/>
-          </a:prstGeom>
-          <a:solidFill>
-            <a:schemeClr val="bg2">
-              <a:lumMod val="75000"/>
-            </a:schemeClr>
-          </a:solidFill>
-          <a:ln w="19050">
-            <a:solidFill>
-              <a:schemeClr val="bg2">
-                <a:lumMod val="50000"/>
-              </a:schemeClr>
-            </a:solidFill>
-            <a:headEnd/>
-            <a:tailEnd/>
-          </a:ln>
-        </p:spPr>
-        <p:style>
-          <a:lnRef idx="1">
-            <a:schemeClr val="accent4"/>
-          </a:lnRef>
-          <a:fillRef idx="2">
-            <a:schemeClr val="accent4"/>
-          </a:fillRef>
-          <a:effectRef idx="1">
-            <a:schemeClr val="accent4"/>
-          </a:effectRef>
-          <a:fontRef idx="minor">
-            <a:schemeClr val="dk1"/>
-          </a:fontRef>
-        </p:style>
-        <p:txBody>
-          <a:bodyPr wrap="square" tIns="182880" bIns="182880">
-            <a:spAutoFit/>
-          </a:bodyPr>
-          <a:lstStyle/>
-          <a:p>
-            <a:pPr algn="ctr" defTabSz="872733">
-              <a:spcBef>
-                <a:spcPct val="50000"/>
-              </a:spcBef>
-              <a:buFont typeface="Wingdings" pitchFamily="2" charset="2"/>
-              <a:buNone/>
-            </a:pPr>
-            <a:r>
-              <a:rPr lang="en-US" sz="1500" dirty="0" err="1">
-                <a:solidFill>
-                  <a:prstClr val="black"/>
-                </a:solidFill>
-              </a:rPr>
-              <a:t>items:ShoppingList</a:t>
-            </a:r>
-            <a:endParaRPr lang="en-US" sz="1500" dirty="0">
-              <a:solidFill>
-                <a:prstClr val="black"/>
-              </a:solidFill>
-            </a:endParaRPr>
-          </a:p>
-        </p:txBody>
-      </p:sp>
-      <p:sp>
-        <p:nvSpPr>
-          <p:cNvPr id="43" name="Text Box 11">
-            <a:extLst>
-              <a:ext uri="{FF2B5EF4-FFF2-40B4-BE49-F238E27FC236}">
-                <a16:creationId xmlns:a16="http://schemas.microsoft.com/office/drawing/2014/main" id="{79ACA4C9-9678-4611-AE49-25FE7CAE8B35}"/>
-              </a:ext>
-            </a:extLst>
-          </p:cNvPr>
-          <p:cNvSpPr txBox="1">
-            <a:spLocks noChangeArrowheads="1"/>
-          </p:cNvSpPr>
-          <p:nvPr/>
-        </p:nvSpPr>
-        <p:spPr bwMode="auto">
-          <a:xfrm>
-            <a:off x="117858" y="798625"/>
-            <a:ext cx="1295400" cy="600164"/>
-          </a:xfrm>
-          <a:prstGeom prst="rect">
-            <a:avLst/>
-          </a:prstGeom>
-          <a:solidFill>
-            <a:schemeClr val="accent2">
-              <a:lumMod val="40000"/>
-              <a:lumOff val="60000"/>
-            </a:schemeClr>
-          </a:solidFill>
-          <a:ln w="19050">
-            <a:solidFill>
-              <a:schemeClr val="accent2">
-                <a:lumMod val="60000"/>
-                <a:lumOff val="40000"/>
-              </a:schemeClr>
-            </a:solidFill>
-            <a:headEnd/>
-            <a:tailEnd/>
-          </a:ln>
-        </p:spPr>
-        <p:style>
-          <a:lnRef idx="1">
-            <a:schemeClr val="accent4"/>
-          </a:lnRef>
-          <a:fillRef idx="2">
-            <a:schemeClr val="accent4"/>
-          </a:fillRef>
-          <a:effectRef idx="1">
-            <a:schemeClr val="accent4"/>
-          </a:effectRef>
-          <a:fontRef idx="minor">
-            <a:schemeClr val="dk1"/>
-          </a:fontRef>
-        </p:style>
-        <p:txBody>
-          <a:bodyPr tIns="182880" bIns="182880">
-            <a:spAutoFit/>
-          </a:bodyPr>
-          <a:lstStyle/>
-          <a:p>
-            <a:pPr algn="ctr" defTabSz="872733">
-              <a:spcBef>
-                <a:spcPct val="50000"/>
-              </a:spcBef>
-              <a:buFont typeface="Wingdings" pitchFamily="2" charset="2"/>
-              <a:buNone/>
-            </a:pPr>
-            <a:r>
-              <a:rPr lang="en-US" sz="1500" dirty="0">
-                <a:solidFill>
-                  <a:prstClr val="black"/>
-                </a:solidFill>
-              </a:rPr>
-              <a:t>:Duke</a:t>
             </a:r>
           </a:p>
         </p:txBody>
@@ -4982,66 +4755,6 @@
           </a:p>
         </p:txBody>
       </p:sp>
-      <p:sp>
-        <p:nvSpPr>
-          <p:cNvPr id="52" name="Line 13">
-            <a:extLst>
-              <a:ext uri="{FF2B5EF4-FFF2-40B4-BE49-F238E27FC236}">
-                <a16:creationId xmlns:a16="http://schemas.microsoft.com/office/drawing/2014/main" id="{C30F3633-BE5D-441D-9C87-D00C0DFC3E6D}"/>
-              </a:ext>
-            </a:extLst>
-          </p:cNvPr>
-          <p:cNvSpPr>
-            <a:spLocks noChangeShapeType="1"/>
-          </p:cNvSpPr>
-          <p:nvPr/>
-        </p:nvSpPr>
-        <p:spPr bwMode="auto">
-          <a:xfrm>
-            <a:off x="8299271" y="3740236"/>
-            <a:ext cx="0" cy="2592151"/>
-          </a:xfrm>
-          <a:prstGeom prst="line">
-            <a:avLst/>
-          </a:prstGeom>
-          <a:ln>
-            <a:solidFill>
-              <a:schemeClr val="bg2">
-                <a:lumMod val="50000"/>
-              </a:schemeClr>
-            </a:solidFill>
-            <a:prstDash val="sysDash"/>
-            <a:headEnd/>
-            <a:tailEnd/>
-          </a:ln>
-        </p:spPr>
-        <p:style>
-          <a:lnRef idx="2">
-            <a:schemeClr val="accent4"/>
-          </a:lnRef>
-          <a:fillRef idx="0">
-            <a:schemeClr val="accent4"/>
-          </a:fillRef>
-          <a:effectRef idx="1">
-            <a:schemeClr val="accent4"/>
-          </a:effectRef>
-          <a:fontRef idx="minor">
-            <a:schemeClr val="tx1"/>
-          </a:fontRef>
-        </p:style>
-        <p:txBody>
-          <a:bodyPr/>
-          <a:lstStyle/>
-          <a:p>
-            <a:pPr defTabSz="872733"/>
-            <a:endParaRPr lang="en-US" sz="1500">
-              <a:solidFill>
-                <a:prstClr val="black"/>
-              </a:solidFill>
-            </a:endParaRPr>
-          </a:p>
-        </p:txBody>
-      </p:sp>
       <p:cxnSp>
         <p:nvCxnSpPr>
           <p:cNvPr id="54" name="Straight Connector 53">
@@ -5178,185 +4891,10 @@
       </p:sp>
       <p:sp>
         <p:nvSpPr>
-          <p:cNvPr id="32" name="Rectangle 31">
+          <p:cNvPr id="28" name="Google Shape;58;p14">
             <a:extLst>
               <a:ext uri="{FF2B5EF4-FFF2-40B4-BE49-F238E27FC236}">
-                <a16:creationId xmlns:a16="http://schemas.microsoft.com/office/drawing/2014/main" id="{E7BAA58F-A872-4FEF-AD11-8205C35F6FBC}"/>
-              </a:ext>
-            </a:extLst>
-          </p:cNvPr>
-          <p:cNvSpPr>
-            <a:spLocks noChangeArrowheads="1"/>
-          </p:cNvSpPr>
-          <p:nvPr/>
-        </p:nvSpPr>
-        <p:spPr bwMode="auto">
-          <a:xfrm>
-            <a:off x="5749090" y="4540222"/>
-            <a:ext cx="2804646" cy="651617"/>
-          </a:xfrm>
-          <a:prstGeom prst="rect">
-            <a:avLst/>
-          </a:prstGeom>
-          <a:solidFill>
-            <a:srgbClr val="00CCFF"/>
-          </a:solidFill>
-          <a:ln w="19050" algn="ctr">
-            <a:solidFill>
-              <a:srgbClr val="0070C0"/>
-            </a:solidFill>
-            <a:miter lim="800000"/>
-            <a:headEnd/>
-            <a:tailEnd/>
-          </a:ln>
-        </p:spPr>
-        <p:txBody>
-          <a:bodyPr wrap="none" anchor="ctr"/>
-          <a:lstStyle>
-            <a:defPPr>
-              <a:defRPr lang="en-SG"/>
-            </a:defPPr>
-            <a:lvl1pPr algn="l" rtl="0" fontAlgn="base">
-              <a:spcBef>
-                <a:spcPct val="0"/>
-              </a:spcBef>
-              <a:spcAft>
-                <a:spcPct val="0"/>
-              </a:spcAft>
-              <a:defRPr kern="1200">
-                <a:solidFill>
-                  <a:schemeClr val="tx1"/>
-                </a:solidFill>
-                <a:latin typeface="Arial" charset="0"/>
-                <a:ea typeface="+mn-ea"/>
-                <a:cs typeface="Arial" charset="0"/>
-              </a:defRPr>
-            </a:lvl1pPr>
-            <a:lvl2pPr marL="457200" algn="l" rtl="0" fontAlgn="base">
-              <a:spcBef>
-                <a:spcPct val="0"/>
-              </a:spcBef>
-              <a:spcAft>
-                <a:spcPct val="0"/>
-              </a:spcAft>
-              <a:defRPr kern="1200">
-                <a:solidFill>
-                  <a:schemeClr val="tx1"/>
-                </a:solidFill>
-                <a:latin typeface="Arial" charset="0"/>
-                <a:ea typeface="+mn-ea"/>
-                <a:cs typeface="Arial" charset="0"/>
-              </a:defRPr>
-            </a:lvl2pPr>
-            <a:lvl3pPr marL="914400" algn="l" rtl="0" fontAlgn="base">
-              <a:spcBef>
-                <a:spcPct val="0"/>
-              </a:spcBef>
-              <a:spcAft>
-                <a:spcPct val="0"/>
-              </a:spcAft>
-              <a:defRPr kern="1200">
-                <a:solidFill>
-                  <a:schemeClr val="tx1"/>
-                </a:solidFill>
-                <a:latin typeface="Arial" charset="0"/>
-                <a:ea typeface="+mn-ea"/>
-                <a:cs typeface="Arial" charset="0"/>
-              </a:defRPr>
-            </a:lvl3pPr>
-            <a:lvl4pPr marL="1371600" algn="l" rtl="0" fontAlgn="base">
-              <a:spcBef>
-                <a:spcPct val="0"/>
-              </a:spcBef>
-              <a:spcAft>
-                <a:spcPct val="0"/>
-              </a:spcAft>
-              <a:defRPr kern="1200">
-                <a:solidFill>
-                  <a:schemeClr val="tx1"/>
-                </a:solidFill>
-                <a:latin typeface="Arial" charset="0"/>
-                <a:ea typeface="+mn-ea"/>
-                <a:cs typeface="Arial" charset="0"/>
-              </a:defRPr>
-            </a:lvl4pPr>
-            <a:lvl5pPr marL="1828800" algn="l" rtl="0" fontAlgn="base">
-              <a:spcBef>
-                <a:spcPct val="0"/>
-              </a:spcBef>
-              <a:spcAft>
-                <a:spcPct val="0"/>
-              </a:spcAft>
-              <a:defRPr kern="1200">
-                <a:solidFill>
-                  <a:schemeClr val="tx1"/>
-                </a:solidFill>
-                <a:latin typeface="Arial" charset="0"/>
-                <a:ea typeface="+mn-ea"/>
-                <a:cs typeface="Arial" charset="0"/>
-              </a:defRPr>
-            </a:lvl5pPr>
-            <a:lvl6pPr marL="2286000" algn="l" defTabSz="914400" rtl="0" eaLnBrk="1" latinLnBrk="0" hangingPunct="1">
-              <a:defRPr kern="1200">
-                <a:solidFill>
-                  <a:schemeClr val="tx1"/>
-                </a:solidFill>
-                <a:latin typeface="Arial" charset="0"/>
-                <a:ea typeface="+mn-ea"/>
-                <a:cs typeface="Arial" charset="0"/>
-              </a:defRPr>
-            </a:lvl6pPr>
-            <a:lvl7pPr marL="2743200" algn="l" defTabSz="914400" rtl="0" eaLnBrk="1" latinLnBrk="0" hangingPunct="1">
-              <a:defRPr kern="1200">
-                <a:solidFill>
-                  <a:schemeClr val="tx1"/>
-                </a:solidFill>
-                <a:latin typeface="Arial" charset="0"/>
-                <a:ea typeface="+mn-ea"/>
-                <a:cs typeface="Arial" charset="0"/>
-              </a:defRPr>
-            </a:lvl7pPr>
-            <a:lvl8pPr marL="3200400" algn="l" defTabSz="914400" rtl="0" eaLnBrk="1" latinLnBrk="0" hangingPunct="1">
-              <a:defRPr kern="1200">
-                <a:solidFill>
-                  <a:schemeClr val="tx1"/>
-                </a:solidFill>
-                <a:latin typeface="Arial" charset="0"/>
-                <a:ea typeface="+mn-ea"/>
-                <a:cs typeface="Arial" charset="0"/>
-              </a:defRPr>
-            </a:lvl8pPr>
-            <a:lvl9pPr marL="3657600" algn="l" defTabSz="914400" rtl="0" eaLnBrk="1" latinLnBrk="0" hangingPunct="1">
-              <a:defRPr kern="1200">
-                <a:solidFill>
-                  <a:schemeClr val="tx1"/>
-                </a:solidFill>
-                <a:latin typeface="Arial" charset="0"/>
-                <a:ea typeface="+mn-ea"/>
-                <a:cs typeface="Arial" charset="0"/>
-              </a:defRPr>
-            </a:lvl9pPr>
-          </a:lstStyle>
-          <a:p>
-            <a:pPr defTabSz="872733"/>
-            <a:r>
-              <a:rPr lang="en-US" sz="2000" dirty="0">
-                <a:solidFill>
-                  <a:prstClr val="black"/>
-                </a:solidFill>
-                <a:latin typeface="Calibri" pitchFamily="34" charset="0"/>
-              </a:rPr>
-              <a:t>					</a:t>
-            </a:r>
-          </a:p>
-        </p:txBody>
-      </p:sp>
-      <p:sp>
-        <p:nvSpPr>
-          <p:cNvPr id="35" name="Snip Single Corner Rectangle 63">
-            <a:extLst>
-              <a:ext uri="{FF2B5EF4-FFF2-40B4-BE49-F238E27FC236}">
-                <a16:creationId xmlns:a16="http://schemas.microsoft.com/office/drawing/2014/main" id="{42A2CEBA-B8B1-428D-A9B4-67B5BC21485F}"/>
+                <a16:creationId xmlns:a16="http://schemas.microsoft.com/office/drawing/2014/main" id="{C9AE75CF-0D25-4FE3-8E8C-1DE6C3052157}"/>
               </a:ext>
             </a:extLst>
           </p:cNvPr>
@@ -5364,233 +4902,759 @@
           <p:nvPr/>
         </p:nvSpPr>
         <p:spPr>
-          <a:xfrm flipV="1">
-            <a:off x="5749090" y="4541150"/>
-            <a:ext cx="754669" cy="403761"/>
+          <a:xfrm>
+            <a:off x="89512" y="977750"/>
+            <a:ext cx="1302391" cy="431600"/>
           </a:xfrm>
-          <a:prstGeom prst="snip1Rect">
+          <a:prstGeom prst="rect">
             <a:avLst/>
           </a:prstGeom>
-          <a:solidFill>
-            <a:schemeClr val="bg1"/>
-          </a:solidFill>
-          <a:ln>
+          <a:gradFill flip="none" rotWithShape="1">
+            <a:gsLst>
+              <a:gs pos="0">
+                <a:srgbClr val="FF9999"/>
+              </a:gs>
+              <a:gs pos="50000">
+                <a:srgbClr val="FF7C80">
+                  <a:tint val="44500"/>
+                  <a:satMod val="160000"/>
+                </a:srgbClr>
+              </a:gs>
+              <a:gs pos="100000">
+                <a:srgbClr val="FF7C80">
+                  <a:tint val="23500"/>
+                  <a:satMod val="160000"/>
+                </a:srgbClr>
+              </a:gs>
+            </a:gsLst>
+            <a:lin ang="16200000" scaled="1"/>
+            <a:tileRect/>
+          </a:gradFill>
+          <a:ln w="19050" cap="flat" cmpd="sng">
             <a:solidFill>
-              <a:srgbClr val="0070C0"/>
+              <a:srgbClr val="FF9999"/>
             </a:solidFill>
+            <a:prstDash val="solid"/>
+            <a:round/>
+            <a:headEnd type="none" w="sm" len="sm"/>
+            <a:tailEnd type="none" w="sm" len="sm"/>
           </a:ln>
+          <a:effectLst>
+            <a:outerShdw blurRad="40000" dist="20000" dir="5400000" rotWithShape="0">
+              <a:srgbClr val="000000">
+                <a:alpha val="37650"/>
+              </a:srgbClr>
+            </a:outerShdw>
+          </a:effectLst>
         </p:spPr>
-        <p:style>
-          <a:lnRef idx="2">
-            <a:schemeClr val="accent1">
-              <a:shade val="50000"/>
-            </a:schemeClr>
-          </a:lnRef>
-          <a:fillRef idx="1">
-            <a:schemeClr val="accent1"/>
-          </a:fillRef>
-          <a:effectRef idx="0">
-            <a:schemeClr val="accent1"/>
-          </a:effectRef>
-          <a:fontRef idx="minor">
-            <a:schemeClr val="lt1"/>
-          </a:fontRef>
-        </p:style>
-        <p:txBody>
-          <a:bodyPr rtlCol="0" anchor="ctr"/>
+        <p:txBody>
+          <a:bodyPr spcFirstLastPara="1" wrap="square" lIns="91425" tIns="45700" rIns="91425" bIns="45700" anchor="ctr" anchorCtr="0">
+            <a:noAutofit/>
+          </a:bodyPr>
           <a:lstStyle/>
           <a:p>
-            <a:pPr algn="ctr" defTabSz="872733"/>
-            <a:endParaRPr lang="en-US" sz="2000">
-              <a:solidFill>
-                <a:prstClr val="black"/>
-              </a:solidFill>
-            </a:endParaRPr>
-          </a:p>
-        </p:txBody>
-      </p:sp>
-      <p:sp>
-        <p:nvSpPr>
-          <p:cNvPr id="36" name="Rectangle 35">
+            <a:pPr algn="ctr"/>
+            <a:r>
+              <a:rPr lang="en-SG" sz="1300" dirty="0">
+                <a:latin typeface="Calibri"/>
+                <a:ea typeface="Calibri"/>
+                <a:cs typeface="Calibri"/>
+                <a:sym typeface="Calibri"/>
+              </a:rPr>
+              <a:t>:Duke</a:t>
+            </a:r>
+            <a:endParaRPr sz="1300" dirty="0"/>
+          </a:p>
+        </p:txBody>
+      </p:sp>
+      <p:sp>
+        <p:nvSpPr>
+          <p:cNvPr id="31" name="Google Shape;59;p14">
             <a:extLst>
               <a:ext uri="{FF2B5EF4-FFF2-40B4-BE49-F238E27FC236}">
-                <a16:creationId xmlns:a16="http://schemas.microsoft.com/office/drawing/2014/main" id="{5A64BF61-FE74-419A-9263-98871FC11470}"/>
+                <a16:creationId xmlns:a16="http://schemas.microsoft.com/office/drawing/2014/main" id="{8774DBF5-8BD9-4666-9F5F-44F17DECB45F}"/>
               </a:ext>
             </a:extLst>
           </p:cNvPr>
           <p:cNvSpPr/>
           <p:nvPr/>
         </p:nvSpPr>
-        <p:spPr bwMode="auto">
+        <p:spPr>
           <a:xfrm>
-            <a:off x="5749090" y="4560847"/>
-            <a:ext cx="3193076" cy="381000"/>
+            <a:off x="2565409" y="1587093"/>
+            <a:ext cx="1092185" cy="524217"/>
           </a:xfrm>
           <a:prstGeom prst="rect">
             <a:avLst/>
           </a:prstGeom>
-          <a:noFill/>
-          <a:ln>
-            <a:noFill/>
+          <a:gradFill flip="none" rotWithShape="1">
+            <a:gsLst>
+              <a:gs pos="0">
+                <a:srgbClr val="990099">
+                  <a:tint val="66000"/>
+                  <a:satMod val="160000"/>
+                </a:srgbClr>
+              </a:gs>
+              <a:gs pos="50000">
+                <a:srgbClr val="990099">
+                  <a:tint val="44500"/>
+                  <a:satMod val="160000"/>
+                </a:srgbClr>
+              </a:gs>
+              <a:gs pos="100000">
+                <a:srgbClr val="990099">
+                  <a:tint val="23500"/>
+                  <a:satMod val="160000"/>
+                </a:srgbClr>
+              </a:gs>
+            </a:gsLst>
+            <a:lin ang="16200000" scaled="1"/>
+            <a:tileRect/>
+          </a:gradFill>
+          <a:ln w="19050" cap="flat" cmpd="sng">
+            <a:solidFill>
+              <a:srgbClr val="CF92CF"/>
+            </a:solidFill>
+            <a:prstDash val="solid"/>
+            <a:round/>
+            <a:headEnd type="none" w="sm" len="sm"/>
+            <a:tailEnd type="none" w="sm" len="sm"/>
           </a:ln>
+          <a:effectLst>
+            <a:outerShdw blurRad="40000" dist="20000" dir="5400000" rotWithShape="0">
+              <a:srgbClr val="000000">
+                <a:alpha val="37650"/>
+              </a:srgbClr>
+            </a:outerShdw>
+          </a:effectLst>
         </p:spPr>
-        <p:style>
-          <a:lnRef idx="2">
-            <a:schemeClr val="accent1">
-              <a:shade val="50000"/>
-            </a:schemeClr>
-          </a:lnRef>
-          <a:fillRef idx="1">
-            <a:schemeClr val="accent1"/>
-          </a:fillRef>
-          <a:effectRef idx="0">
-            <a:schemeClr val="accent1"/>
-          </a:effectRef>
-          <a:fontRef idx="minor">
-            <a:schemeClr val="lt1"/>
-          </a:fontRef>
-        </p:style>
-        <p:txBody>
-          <a:bodyPr anchor="ctr"/>
-          <a:lstStyle>
-            <a:defPPr>
-              <a:defRPr lang="en-SG"/>
-            </a:defPPr>
-            <a:lvl1pPr algn="l" rtl="0" fontAlgn="base">
-              <a:spcBef>
-                <a:spcPct val="0"/>
-              </a:spcBef>
-              <a:spcAft>
-                <a:spcPct val="0"/>
-              </a:spcAft>
-              <a:defRPr kern="1200">
-                <a:solidFill>
-                  <a:schemeClr val="lt1"/>
-                </a:solidFill>
-                <a:latin typeface="+mn-lt"/>
-                <a:ea typeface="+mn-ea"/>
-                <a:cs typeface="+mn-cs"/>
-              </a:defRPr>
-            </a:lvl1pPr>
-            <a:lvl2pPr marL="457200" algn="l" rtl="0" fontAlgn="base">
-              <a:spcBef>
-                <a:spcPct val="0"/>
-              </a:spcBef>
-              <a:spcAft>
-                <a:spcPct val="0"/>
-              </a:spcAft>
-              <a:defRPr kern="1200">
-                <a:solidFill>
-                  <a:schemeClr val="lt1"/>
-                </a:solidFill>
-                <a:latin typeface="+mn-lt"/>
-                <a:ea typeface="+mn-ea"/>
-                <a:cs typeface="+mn-cs"/>
-              </a:defRPr>
-            </a:lvl2pPr>
-            <a:lvl3pPr marL="914400" algn="l" rtl="0" fontAlgn="base">
-              <a:spcBef>
-                <a:spcPct val="0"/>
-              </a:spcBef>
-              <a:spcAft>
-                <a:spcPct val="0"/>
-              </a:spcAft>
-              <a:defRPr kern="1200">
-                <a:solidFill>
-                  <a:schemeClr val="lt1"/>
-                </a:solidFill>
-                <a:latin typeface="+mn-lt"/>
-                <a:ea typeface="+mn-ea"/>
-                <a:cs typeface="+mn-cs"/>
-              </a:defRPr>
-            </a:lvl3pPr>
-            <a:lvl4pPr marL="1371600" algn="l" rtl="0" fontAlgn="base">
-              <a:spcBef>
-                <a:spcPct val="0"/>
-              </a:spcBef>
-              <a:spcAft>
-                <a:spcPct val="0"/>
-              </a:spcAft>
-              <a:defRPr kern="1200">
-                <a:solidFill>
-                  <a:schemeClr val="lt1"/>
-                </a:solidFill>
-                <a:latin typeface="+mn-lt"/>
-                <a:ea typeface="+mn-ea"/>
-                <a:cs typeface="+mn-cs"/>
-              </a:defRPr>
-            </a:lvl4pPr>
-            <a:lvl5pPr marL="1828800" algn="l" rtl="0" fontAlgn="base">
-              <a:spcBef>
-                <a:spcPct val="0"/>
-              </a:spcBef>
-              <a:spcAft>
-                <a:spcPct val="0"/>
-              </a:spcAft>
-              <a:defRPr kern="1200">
-                <a:solidFill>
-                  <a:schemeClr val="lt1"/>
-                </a:solidFill>
-                <a:latin typeface="+mn-lt"/>
-                <a:ea typeface="+mn-ea"/>
-                <a:cs typeface="+mn-cs"/>
-              </a:defRPr>
-            </a:lvl5pPr>
-            <a:lvl6pPr marL="2286000" algn="l" defTabSz="914400" rtl="0" eaLnBrk="1" latinLnBrk="0" hangingPunct="1">
-              <a:defRPr kern="1200">
-                <a:solidFill>
-                  <a:schemeClr val="lt1"/>
-                </a:solidFill>
-                <a:latin typeface="+mn-lt"/>
-                <a:ea typeface="+mn-ea"/>
-                <a:cs typeface="+mn-cs"/>
-              </a:defRPr>
-            </a:lvl6pPr>
-            <a:lvl7pPr marL="2743200" algn="l" defTabSz="914400" rtl="0" eaLnBrk="1" latinLnBrk="0" hangingPunct="1">
-              <a:defRPr kern="1200">
-                <a:solidFill>
-                  <a:schemeClr val="lt1"/>
-                </a:solidFill>
-                <a:latin typeface="+mn-lt"/>
-                <a:ea typeface="+mn-ea"/>
-                <a:cs typeface="+mn-cs"/>
-              </a:defRPr>
-            </a:lvl7pPr>
-            <a:lvl8pPr marL="3200400" algn="l" defTabSz="914400" rtl="0" eaLnBrk="1" latinLnBrk="0" hangingPunct="1">
-              <a:defRPr kern="1200">
-                <a:solidFill>
-                  <a:schemeClr val="lt1"/>
-                </a:solidFill>
-                <a:latin typeface="+mn-lt"/>
-                <a:ea typeface="+mn-ea"/>
-                <a:cs typeface="+mn-cs"/>
-              </a:defRPr>
-            </a:lvl8pPr>
-            <a:lvl9pPr marL="3657600" algn="l" defTabSz="914400" rtl="0" eaLnBrk="1" latinLnBrk="0" hangingPunct="1">
-              <a:defRPr kern="1200">
-                <a:solidFill>
-                  <a:schemeClr val="lt1"/>
-                </a:solidFill>
-                <a:latin typeface="+mn-lt"/>
-                <a:ea typeface="+mn-ea"/>
-                <a:cs typeface="+mn-cs"/>
-              </a:defRPr>
-            </a:lvl9pPr>
-          </a:lstStyle>
-          <a:p>
-            <a:pPr defTabSz="872733"/>
-            <a:r>
-              <a:rPr lang="en-US" sz="2000" dirty="0">
+        <p:txBody>
+          <a:bodyPr spcFirstLastPara="1" wrap="square" lIns="91425" tIns="45700" rIns="91425" bIns="45700" anchor="ctr" anchorCtr="0">
+            <a:noAutofit/>
+          </a:bodyPr>
+          <a:lstStyle/>
+          <a:p>
+            <a:pPr algn="ctr"/>
+            <a:r>
+              <a:rPr lang="en" sz="1300" dirty="0">
+                <a:latin typeface="Calibri"/>
+                <a:ea typeface="Calibri"/>
+                <a:cs typeface="Calibri"/>
+                <a:sym typeface="Calibri"/>
+              </a:rPr>
+              <a:t>:Parser</a:t>
+            </a:r>
+            <a:endParaRPr sz="1300" dirty="0"/>
+          </a:p>
+        </p:txBody>
+      </p:sp>
+      <p:grpSp>
+        <p:nvGrpSpPr>
+          <p:cNvPr id="2" name="Group 1">
+            <a:extLst>
+              <a:ext uri="{FF2B5EF4-FFF2-40B4-BE49-F238E27FC236}">
+                <a16:creationId xmlns:a16="http://schemas.microsoft.com/office/drawing/2014/main" id="{B4E94E5F-2A73-40BC-84D2-9F80E2FC288C}"/>
+              </a:ext>
+            </a:extLst>
+          </p:cNvPr>
+          <p:cNvGrpSpPr/>
+          <p:nvPr/>
+        </p:nvGrpSpPr>
+        <p:grpSpPr>
+          <a:xfrm>
+            <a:off x="7315200" y="3140072"/>
+            <a:ext cx="1577356" cy="3192315"/>
+            <a:chOff x="7440922" y="3140072"/>
+            <a:chExt cx="1577356" cy="3192315"/>
+          </a:xfrm>
+        </p:grpSpPr>
+        <p:sp>
+          <p:nvSpPr>
+            <p:cNvPr id="52" name="Line 13">
+              <a:extLst>
+                <a:ext uri="{FF2B5EF4-FFF2-40B4-BE49-F238E27FC236}">
+                  <a16:creationId xmlns:a16="http://schemas.microsoft.com/office/drawing/2014/main" id="{C30F3633-BE5D-441D-9C87-D00C0DFC3E6D}"/>
+                </a:ext>
+              </a:extLst>
+            </p:cNvPr>
+            <p:cNvSpPr>
+              <a:spLocks noChangeShapeType="1"/>
+            </p:cNvSpPr>
+            <p:nvPr/>
+          </p:nvSpPr>
+          <p:spPr bwMode="auto">
+            <a:xfrm>
+              <a:off x="8229600" y="3740236"/>
+              <a:ext cx="0" cy="2592151"/>
+            </a:xfrm>
+            <a:prstGeom prst="line">
+              <a:avLst/>
+            </a:prstGeom>
+            <a:ln>
+              <a:solidFill>
+                <a:schemeClr val="bg2">
+                  <a:lumMod val="50000"/>
+                </a:schemeClr>
+              </a:solidFill>
+              <a:prstDash val="sysDash"/>
+              <a:headEnd/>
+              <a:tailEnd/>
+            </a:ln>
+          </p:spPr>
+          <p:style>
+            <a:lnRef idx="2">
+              <a:schemeClr val="accent4"/>
+            </a:lnRef>
+            <a:fillRef idx="0">
+              <a:schemeClr val="accent4"/>
+            </a:fillRef>
+            <a:effectRef idx="1">
+              <a:schemeClr val="accent4"/>
+            </a:effectRef>
+            <a:fontRef idx="minor">
+              <a:schemeClr val="tx1"/>
+            </a:fontRef>
+          </p:style>
+          <p:txBody>
+            <a:bodyPr/>
+            <a:lstStyle/>
+            <a:p>
+              <a:pPr defTabSz="872733"/>
+              <a:endParaRPr lang="en-US" sz="1500">
                 <a:solidFill>
                   <a:prstClr val="black"/>
                 </a:solidFill>
-                <a:cs typeface="Arial" charset="0"/>
-              </a:rPr>
-              <a:t>ref           find items</a:t>
-            </a:r>
-          </a:p>
-        </p:txBody>
-      </p:sp>
+              </a:endParaRPr>
+            </a:p>
+          </p:txBody>
+        </p:sp>
+        <p:sp>
+          <p:nvSpPr>
+            <p:cNvPr id="37" name="Google Shape;62;p14">
+              <a:extLst>
+                <a:ext uri="{FF2B5EF4-FFF2-40B4-BE49-F238E27FC236}">
+                  <a16:creationId xmlns:a16="http://schemas.microsoft.com/office/drawing/2014/main" id="{4DEA7E43-85C9-429F-821F-D85286724AC3}"/>
+                </a:ext>
+              </a:extLst>
+            </p:cNvPr>
+            <p:cNvSpPr/>
+            <p:nvPr/>
+          </p:nvSpPr>
+          <p:spPr>
+            <a:xfrm>
+              <a:off x="7440922" y="3140072"/>
+              <a:ext cx="1577356" cy="600164"/>
+            </a:xfrm>
+            <a:prstGeom prst="rect">
+              <a:avLst/>
+            </a:prstGeom>
+            <a:gradFill flip="none" rotWithShape="1">
+              <a:gsLst>
+                <a:gs pos="0">
+                  <a:srgbClr val="C4B597">
+                    <a:tint val="66000"/>
+                    <a:satMod val="160000"/>
+                  </a:srgbClr>
+                </a:gs>
+                <a:gs pos="50000">
+                  <a:srgbClr val="C4B597">
+                    <a:tint val="44500"/>
+                    <a:satMod val="160000"/>
+                  </a:srgbClr>
+                </a:gs>
+                <a:gs pos="100000">
+                  <a:srgbClr val="C4B597">
+                    <a:tint val="23500"/>
+                    <a:satMod val="160000"/>
+                  </a:srgbClr>
+                </a:gs>
+              </a:gsLst>
+              <a:lin ang="16200000" scaled="1"/>
+              <a:tileRect/>
+            </a:gradFill>
+            <a:ln w="19050" cap="flat" cmpd="sng">
+              <a:solidFill>
+                <a:srgbClr val="AB966D"/>
+              </a:solidFill>
+              <a:prstDash val="solid"/>
+              <a:round/>
+              <a:headEnd type="none" w="sm" len="sm"/>
+              <a:tailEnd type="none" w="sm" len="sm"/>
+            </a:ln>
+            <a:effectLst>
+              <a:outerShdw blurRad="40000" dist="20000" dir="5400000" rotWithShape="0">
+                <a:srgbClr val="000000">
+                  <a:alpha val="37650"/>
+                </a:srgbClr>
+              </a:outerShdw>
+            </a:effectLst>
+          </p:spPr>
+          <p:txBody>
+            <a:bodyPr spcFirstLastPara="1" wrap="square" lIns="91425" tIns="45700" rIns="91425" bIns="45700" anchor="ctr" anchorCtr="0">
+              <a:noAutofit/>
+            </a:bodyPr>
+            <a:lstStyle/>
+            <a:p>
+              <a:pPr algn="ctr" defTabSz="872733">
+                <a:spcBef>
+                  <a:spcPct val="50000"/>
+                </a:spcBef>
+                <a:buFont typeface="Wingdings" pitchFamily="2" charset="2"/>
+                <a:buNone/>
+              </a:pPr>
+              <a:r>
+                <a:rPr lang="en-US" sz="1400" dirty="0" err="1">
+                  <a:solidFill>
+                    <a:prstClr val="black"/>
+                  </a:solidFill>
+                </a:rPr>
+                <a:t>items:ShoppingList</a:t>
+              </a:r>
+              <a:endParaRPr lang="en-US" sz="1400" dirty="0">
+                <a:solidFill>
+                  <a:prstClr val="black"/>
+                </a:solidFill>
+              </a:endParaRPr>
+            </a:p>
+          </p:txBody>
+        </p:sp>
+      </p:grpSp>
+      <p:grpSp>
+        <p:nvGrpSpPr>
+          <p:cNvPr id="4" name="Group 3">
+            <a:extLst>
+              <a:ext uri="{FF2B5EF4-FFF2-40B4-BE49-F238E27FC236}">
+                <a16:creationId xmlns:a16="http://schemas.microsoft.com/office/drawing/2014/main" id="{8C87542D-4B7C-4EB4-A37C-1763EF57ADE6}"/>
+              </a:ext>
+            </a:extLst>
+          </p:cNvPr>
+          <p:cNvGrpSpPr/>
+          <p:nvPr/>
+        </p:nvGrpSpPr>
+        <p:grpSpPr>
+          <a:xfrm>
+            <a:off x="5749090" y="4476862"/>
+            <a:ext cx="3193076" cy="651617"/>
+            <a:chOff x="5749090" y="4476862"/>
+            <a:chExt cx="3193076" cy="651617"/>
+          </a:xfrm>
+        </p:grpSpPr>
+        <p:sp>
+          <p:nvSpPr>
+            <p:cNvPr id="32" name="Rectangle 31">
+              <a:extLst>
+                <a:ext uri="{FF2B5EF4-FFF2-40B4-BE49-F238E27FC236}">
+                  <a16:creationId xmlns:a16="http://schemas.microsoft.com/office/drawing/2014/main" id="{E7BAA58F-A872-4FEF-AD11-8205C35F6FBC}"/>
+                </a:ext>
+              </a:extLst>
+            </p:cNvPr>
+            <p:cNvSpPr>
+              <a:spLocks noChangeArrowheads="1"/>
+            </p:cNvSpPr>
+            <p:nvPr/>
+          </p:nvSpPr>
+          <p:spPr bwMode="auto">
+            <a:xfrm>
+              <a:off x="5749090" y="4476862"/>
+              <a:ext cx="2804646" cy="651617"/>
+            </a:xfrm>
+            <a:prstGeom prst="rect">
+              <a:avLst/>
+            </a:prstGeom>
+            <a:solidFill>
+              <a:srgbClr val="00CCFF"/>
+            </a:solidFill>
+            <a:ln w="19050" algn="ctr">
+              <a:solidFill>
+                <a:srgbClr val="0070C0"/>
+              </a:solidFill>
+              <a:miter lim="800000"/>
+              <a:headEnd/>
+              <a:tailEnd/>
+            </a:ln>
+          </p:spPr>
+          <p:txBody>
+            <a:bodyPr wrap="none" anchor="ctr"/>
+            <a:lstStyle>
+              <a:defPPr>
+                <a:defRPr lang="en-SG"/>
+              </a:defPPr>
+              <a:lvl1pPr algn="l" rtl="0" fontAlgn="base">
+                <a:spcBef>
+                  <a:spcPct val="0"/>
+                </a:spcBef>
+                <a:spcAft>
+                  <a:spcPct val="0"/>
+                </a:spcAft>
+                <a:defRPr kern="1200">
+                  <a:solidFill>
+                    <a:schemeClr val="tx1"/>
+                  </a:solidFill>
+                  <a:latin typeface="Arial" charset="0"/>
+                  <a:ea typeface="+mn-ea"/>
+                  <a:cs typeface="Arial" charset="0"/>
+                </a:defRPr>
+              </a:lvl1pPr>
+              <a:lvl2pPr marL="457200" algn="l" rtl="0" fontAlgn="base">
+                <a:spcBef>
+                  <a:spcPct val="0"/>
+                </a:spcBef>
+                <a:spcAft>
+                  <a:spcPct val="0"/>
+                </a:spcAft>
+                <a:defRPr kern="1200">
+                  <a:solidFill>
+                    <a:schemeClr val="tx1"/>
+                  </a:solidFill>
+                  <a:latin typeface="Arial" charset="0"/>
+                  <a:ea typeface="+mn-ea"/>
+                  <a:cs typeface="Arial" charset="0"/>
+                </a:defRPr>
+              </a:lvl2pPr>
+              <a:lvl3pPr marL="914400" algn="l" rtl="0" fontAlgn="base">
+                <a:spcBef>
+                  <a:spcPct val="0"/>
+                </a:spcBef>
+                <a:spcAft>
+                  <a:spcPct val="0"/>
+                </a:spcAft>
+                <a:defRPr kern="1200">
+                  <a:solidFill>
+                    <a:schemeClr val="tx1"/>
+                  </a:solidFill>
+                  <a:latin typeface="Arial" charset="0"/>
+                  <a:ea typeface="+mn-ea"/>
+                  <a:cs typeface="Arial" charset="0"/>
+                </a:defRPr>
+              </a:lvl3pPr>
+              <a:lvl4pPr marL="1371600" algn="l" rtl="0" fontAlgn="base">
+                <a:spcBef>
+                  <a:spcPct val="0"/>
+                </a:spcBef>
+                <a:spcAft>
+                  <a:spcPct val="0"/>
+                </a:spcAft>
+                <a:defRPr kern="1200">
+                  <a:solidFill>
+                    <a:schemeClr val="tx1"/>
+                  </a:solidFill>
+                  <a:latin typeface="Arial" charset="0"/>
+                  <a:ea typeface="+mn-ea"/>
+                  <a:cs typeface="Arial" charset="0"/>
+                </a:defRPr>
+              </a:lvl4pPr>
+              <a:lvl5pPr marL="1828800" algn="l" rtl="0" fontAlgn="base">
+                <a:spcBef>
+                  <a:spcPct val="0"/>
+                </a:spcBef>
+                <a:spcAft>
+                  <a:spcPct val="0"/>
+                </a:spcAft>
+                <a:defRPr kern="1200">
+                  <a:solidFill>
+                    <a:schemeClr val="tx1"/>
+                  </a:solidFill>
+                  <a:latin typeface="Arial" charset="0"/>
+                  <a:ea typeface="+mn-ea"/>
+                  <a:cs typeface="Arial" charset="0"/>
+                </a:defRPr>
+              </a:lvl5pPr>
+              <a:lvl6pPr marL="2286000" algn="l" defTabSz="914400" rtl="0" eaLnBrk="1" latinLnBrk="0" hangingPunct="1">
+                <a:defRPr kern="1200">
+                  <a:solidFill>
+                    <a:schemeClr val="tx1"/>
+                  </a:solidFill>
+                  <a:latin typeface="Arial" charset="0"/>
+                  <a:ea typeface="+mn-ea"/>
+                  <a:cs typeface="Arial" charset="0"/>
+                </a:defRPr>
+              </a:lvl6pPr>
+              <a:lvl7pPr marL="2743200" algn="l" defTabSz="914400" rtl="0" eaLnBrk="1" latinLnBrk="0" hangingPunct="1">
+                <a:defRPr kern="1200">
+                  <a:solidFill>
+                    <a:schemeClr val="tx1"/>
+                  </a:solidFill>
+                  <a:latin typeface="Arial" charset="0"/>
+                  <a:ea typeface="+mn-ea"/>
+                  <a:cs typeface="Arial" charset="0"/>
+                </a:defRPr>
+              </a:lvl7pPr>
+              <a:lvl8pPr marL="3200400" algn="l" defTabSz="914400" rtl="0" eaLnBrk="1" latinLnBrk="0" hangingPunct="1">
+                <a:defRPr kern="1200">
+                  <a:solidFill>
+                    <a:schemeClr val="tx1"/>
+                  </a:solidFill>
+                  <a:latin typeface="Arial" charset="0"/>
+                  <a:ea typeface="+mn-ea"/>
+                  <a:cs typeface="Arial" charset="0"/>
+                </a:defRPr>
+              </a:lvl8pPr>
+              <a:lvl9pPr marL="3657600" algn="l" defTabSz="914400" rtl="0" eaLnBrk="1" latinLnBrk="0" hangingPunct="1">
+                <a:defRPr kern="1200">
+                  <a:solidFill>
+                    <a:schemeClr val="tx1"/>
+                  </a:solidFill>
+                  <a:latin typeface="Arial" charset="0"/>
+                  <a:ea typeface="+mn-ea"/>
+                  <a:cs typeface="Arial" charset="0"/>
+                </a:defRPr>
+              </a:lvl9pPr>
+            </a:lstStyle>
+            <a:p>
+              <a:pPr defTabSz="872733"/>
+              <a:r>
+                <a:rPr lang="en-US" sz="2000" dirty="0">
+                  <a:solidFill>
+                    <a:prstClr val="black"/>
+                  </a:solidFill>
+                  <a:latin typeface="Calibri" pitchFamily="34" charset="0"/>
+                </a:rPr>
+                <a:t>					</a:t>
+              </a:r>
+            </a:p>
+          </p:txBody>
+        </p:sp>
+        <p:sp>
+          <p:nvSpPr>
+            <p:cNvPr id="35" name="Snip Single Corner Rectangle 63">
+              <a:extLst>
+                <a:ext uri="{FF2B5EF4-FFF2-40B4-BE49-F238E27FC236}">
+                  <a16:creationId xmlns:a16="http://schemas.microsoft.com/office/drawing/2014/main" id="{42A2CEBA-B8B1-428D-A9B4-67B5BC21485F}"/>
+                </a:ext>
+              </a:extLst>
+            </p:cNvPr>
+            <p:cNvSpPr/>
+            <p:nvPr/>
+          </p:nvSpPr>
+          <p:spPr>
+            <a:xfrm flipV="1">
+              <a:off x="5749090" y="4477790"/>
+              <a:ext cx="754669" cy="403761"/>
+            </a:xfrm>
+            <a:prstGeom prst="snip1Rect">
+              <a:avLst/>
+            </a:prstGeom>
+            <a:solidFill>
+              <a:schemeClr val="bg1"/>
+            </a:solidFill>
+            <a:ln>
+              <a:solidFill>
+                <a:srgbClr val="0070C0"/>
+              </a:solidFill>
+            </a:ln>
+          </p:spPr>
+          <p:style>
+            <a:lnRef idx="2">
+              <a:schemeClr val="accent1">
+                <a:shade val="50000"/>
+              </a:schemeClr>
+            </a:lnRef>
+            <a:fillRef idx="1">
+              <a:schemeClr val="accent1"/>
+            </a:fillRef>
+            <a:effectRef idx="0">
+              <a:schemeClr val="accent1"/>
+            </a:effectRef>
+            <a:fontRef idx="minor">
+              <a:schemeClr val="lt1"/>
+            </a:fontRef>
+          </p:style>
+          <p:txBody>
+            <a:bodyPr rtlCol="0" anchor="ctr"/>
+            <a:lstStyle/>
+            <a:p>
+              <a:pPr algn="ctr" defTabSz="872733"/>
+              <a:endParaRPr lang="en-US" sz="2000">
+                <a:solidFill>
+                  <a:prstClr val="black"/>
+                </a:solidFill>
+              </a:endParaRPr>
+            </a:p>
+          </p:txBody>
+        </p:sp>
+        <p:sp>
+          <p:nvSpPr>
+            <p:cNvPr id="36" name="Rectangle 35">
+              <a:extLst>
+                <a:ext uri="{FF2B5EF4-FFF2-40B4-BE49-F238E27FC236}">
+                  <a16:creationId xmlns:a16="http://schemas.microsoft.com/office/drawing/2014/main" id="{5A64BF61-FE74-419A-9263-98871FC11470}"/>
+                </a:ext>
+              </a:extLst>
+            </p:cNvPr>
+            <p:cNvSpPr/>
+            <p:nvPr/>
+          </p:nvSpPr>
+          <p:spPr bwMode="auto">
+            <a:xfrm>
+              <a:off x="5749090" y="4503322"/>
+              <a:ext cx="3193076" cy="381000"/>
+            </a:xfrm>
+            <a:prstGeom prst="rect">
+              <a:avLst/>
+            </a:prstGeom>
+            <a:noFill/>
+            <a:ln>
+              <a:noFill/>
+            </a:ln>
+          </p:spPr>
+          <p:style>
+            <a:lnRef idx="2">
+              <a:schemeClr val="accent1">
+                <a:shade val="50000"/>
+              </a:schemeClr>
+            </a:lnRef>
+            <a:fillRef idx="1">
+              <a:schemeClr val="accent1"/>
+            </a:fillRef>
+            <a:effectRef idx="0">
+              <a:schemeClr val="accent1"/>
+            </a:effectRef>
+            <a:fontRef idx="minor">
+              <a:schemeClr val="lt1"/>
+            </a:fontRef>
+          </p:style>
+          <p:txBody>
+            <a:bodyPr anchor="ctr"/>
+            <a:lstStyle>
+              <a:defPPr>
+                <a:defRPr lang="en-SG"/>
+              </a:defPPr>
+              <a:lvl1pPr algn="l" rtl="0" fontAlgn="base">
+                <a:spcBef>
+                  <a:spcPct val="0"/>
+                </a:spcBef>
+                <a:spcAft>
+                  <a:spcPct val="0"/>
+                </a:spcAft>
+                <a:defRPr kern="1200">
+                  <a:solidFill>
+                    <a:schemeClr val="lt1"/>
+                  </a:solidFill>
+                  <a:latin typeface="+mn-lt"/>
+                  <a:ea typeface="+mn-ea"/>
+                  <a:cs typeface="+mn-cs"/>
+                </a:defRPr>
+              </a:lvl1pPr>
+              <a:lvl2pPr marL="457200" algn="l" rtl="0" fontAlgn="base">
+                <a:spcBef>
+                  <a:spcPct val="0"/>
+                </a:spcBef>
+                <a:spcAft>
+                  <a:spcPct val="0"/>
+                </a:spcAft>
+                <a:defRPr kern="1200">
+                  <a:solidFill>
+                    <a:schemeClr val="lt1"/>
+                  </a:solidFill>
+                  <a:latin typeface="+mn-lt"/>
+                  <a:ea typeface="+mn-ea"/>
+                  <a:cs typeface="+mn-cs"/>
+                </a:defRPr>
+              </a:lvl2pPr>
+              <a:lvl3pPr marL="914400" algn="l" rtl="0" fontAlgn="base">
+                <a:spcBef>
+                  <a:spcPct val="0"/>
+                </a:spcBef>
+                <a:spcAft>
+                  <a:spcPct val="0"/>
+                </a:spcAft>
+                <a:defRPr kern="1200">
+                  <a:solidFill>
+                    <a:schemeClr val="lt1"/>
+                  </a:solidFill>
+                  <a:latin typeface="+mn-lt"/>
+                  <a:ea typeface="+mn-ea"/>
+                  <a:cs typeface="+mn-cs"/>
+                </a:defRPr>
+              </a:lvl3pPr>
+              <a:lvl4pPr marL="1371600" algn="l" rtl="0" fontAlgn="base">
+                <a:spcBef>
+                  <a:spcPct val="0"/>
+                </a:spcBef>
+                <a:spcAft>
+                  <a:spcPct val="0"/>
+                </a:spcAft>
+                <a:defRPr kern="1200">
+                  <a:solidFill>
+                    <a:schemeClr val="lt1"/>
+                  </a:solidFill>
+                  <a:latin typeface="+mn-lt"/>
+                  <a:ea typeface="+mn-ea"/>
+                  <a:cs typeface="+mn-cs"/>
+                </a:defRPr>
+              </a:lvl4pPr>
+              <a:lvl5pPr marL="1828800" algn="l" rtl="0" fontAlgn="base">
+                <a:spcBef>
+                  <a:spcPct val="0"/>
+                </a:spcBef>
+                <a:spcAft>
+                  <a:spcPct val="0"/>
+                </a:spcAft>
+                <a:defRPr kern="1200">
+                  <a:solidFill>
+                    <a:schemeClr val="lt1"/>
+                  </a:solidFill>
+                  <a:latin typeface="+mn-lt"/>
+                  <a:ea typeface="+mn-ea"/>
+                  <a:cs typeface="+mn-cs"/>
+                </a:defRPr>
+              </a:lvl5pPr>
+              <a:lvl6pPr marL="2286000" algn="l" defTabSz="914400" rtl="0" eaLnBrk="1" latinLnBrk="0" hangingPunct="1">
+                <a:defRPr kern="1200">
+                  <a:solidFill>
+                    <a:schemeClr val="lt1"/>
+                  </a:solidFill>
+                  <a:latin typeface="+mn-lt"/>
+                  <a:ea typeface="+mn-ea"/>
+                  <a:cs typeface="+mn-cs"/>
+                </a:defRPr>
+              </a:lvl6pPr>
+              <a:lvl7pPr marL="2743200" algn="l" defTabSz="914400" rtl="0" eaLnBrk="1" latinLnBrk="0" hangingPunct="1">
+                <a:defRPr kern="1200">
+                  <a:solidFill>
+                    <a:schemeClr val="lt1"/>
+                  </a:solidFill>
+                  <a:latin typeface="+mn-lt"/>
+                  <a:ea typeface="+mn-ea"/>
+                  <a:cs typeface="+mn-cs"/>
+                </a:defRPr>
+              </a:lvl7pPr>
+              <a:lvl8pPr marL="3200400" algn="l" defTabSz="914400" rtl="0" eaLnBrk="1" latinLnBrk="0" hangingPunct="1">
+                <a:defRPr kern="1200">
+                  <a:solidFill>
+                    <a:schemeClr val="lt1"/>
+                  </a:solidFill>
+                  <a:latin typeface="+mn-lt"/>
+                  <a:ea typeface="+mn-ea"/>
+                  <a:cs typeface="+mn-cs"/>
+                </a:defRPr>
+              </a:lvl8pPr>
+              <a:lvl9pPr marL="3657600" algn="l" defTabSz="914400" rtl="0" eaLnBrk="1" latinLnBrk="0" hangingPunct="1">
+                <a:defRPr kern="1200">
+                  <a:solidFill>
+                    <a:schemeClr val="lt1"/>
+                  </a:solidFill>
+                  <a:latin typeface="+mn-lt"/>
+                  <a:ea typeface="+mn-ea"/>
+                  <a:cs typeface="+mn-cs"/>
+                </a:defRPr>
+              </a:lvl9pPr>
+            </a:lstStyle>
+            <a:p>
+              <a:pPr defTabSz="872733"/>
+              <a:r>
+                <a:rPr lang="en-US" sz="2000" dirty="0">
+                  <a:solidFill>
+                    <a:prstClr val="black"/>
+                  </a:solidFill>
+                  <a:cs typeface="Arial" charset="0"/>
+                </a:rPr>
+                <a:t>ref           find items</a:t>
+              </a:r>
+            </a:p>
+          </p:txBody>
+        </p:sp>
+      </p:grpSp>
     </p:spTree>
     <p:extLst>
       <p:ext uri="{BB962C8B-B14F-4D97-AF65-F5344CB8AC3E}">
@@ -5743,7 +5807,7 @@
                                           </p:stCondLst>
                                         </p:cTn>
                                         <p:tgtEl>
-                                          <p:spTgt spid="6"/>
+                                          <p:spTgt spid="18"/>
                                         </p:tgtEl>
                                         <p:attrNameLst>
                                           <p:attrName>style.visibility</p:attrName>
@@ -5770,7 +5834,7 @@
                                           </p:stCondLst>
                                         </p:cTn>
                                         <p:tgtEl>
-                                          <p:spTgt spid="18"/>
+                                          <p:spTgt spid="19"/>
                                         </p:tgtEl>
                                         <p:attrNameLst>
                                           <p:attrName>style.visibility</p:attrName>
@@ -5797,7 +5861,7 @@
                                           </p:stCondLst>
                                         </p:cTn>
                                         <p:tgtEl>
-                                          <p:spTgt spid="19"/>
+                                          <p:spTgt spid="20"/>
                                         </p:tgtEl>
                                         <p:attrNameLst>
                                           <p:attrName>style.visibility</p:attrName>
@@ -5811,7 +5875,7 @@
                                 </p:cTn>
                               </p:par>
                               <p:par>
-                                <p:cTn id="19" presetID="1" presetClass="exit" presetSubtype="0" fill="hold" grpId="0" nodeType="withEffect">
+                                <p:cTn id="19" presetID="1" presetClass="exit" presetSubtype="0" fill="hold" grpId="1" nodeType="withEffect">
                                   <p:stCondLst>
                                     <p:cond delay="0"/>
                                   </p:stCondLst>
@@ -5824,7 +5888,7 @@
                                           </p:stCondLst>
                                         </p:cTn>
                                         <p:tgtEl>
-                                          <p:spTgt spid="20"/>
+                                          <p:spTgt spid="24"/>
                                         </p:tgtEl>
                                         <p:attrNameLst>
                                           <p:attrName>style.visibility</p:attrName>
@@ -5851,7 +5915,7 @@
                                           </p:stCondLst>
                                         </p:cTn>
                                         <p:tgtEl>
-                                          <p:spTgt spid="24"/>
+                                          <p:spTgt spid="25"/>
                                         </p:tgtEl>
                                         <p:attrNameLst>
                                           <p:attrName>style.visibility</p:attrName>
@@ -5878,7 +5942,7 @@
                                           </p:stCondLst>
                                         </p:cTn>
                                         <p:tgtEl>
-                                          <p:spTgt spid="25"/>
+                                          <p:spTgt spid="29"/>
                                         </p:tgtEl>
                                         <p:attrNameLst>
                                           <p:attrName>style.visibility</p:attrName>
@@ -5892,7 +5956,7 @@
                                 </p:cTn>
                               </p:par>
                               <p:par>
-                                <p:cTn id="25" presetID="1" presetClass="exit" presetSubtype="0" fill="hold" grpId="1" nodeType="withEffect">
+                                <p:cTn id="25" presetID="1" presetClass="exit" presetSubtype="0" fill="hold" grpId="0" nodeType="withEffect">
                                   <p:stCondLst>
                                     <p:cond delay="0"/>
                                   </p:stCondLst>
@@ -5905,7 +5969,7 @@
                                           </p:stCondLst>
                                         </p:cTn>
                                         <p:tgtEl>
-                                          <p:spTgt spid="29"/>
+                                          <p:spTgt spid="33"/>
                                         </p:tgtEl>
                                         <p:attrNameLst>
                                           <p:attrName>style.visibility</p:attrName>
@@ -5932,7 +5996,7 @@
                                           </p:stCondLst>
                                         </p:cTn>
                                         <p:tgtEl>
-                                          <p:spTgt spid="33"/>
+                                          <p:spTgt spid="34"/>
                                         </p:tgtEl>
                                         <p:attrNameLst>
                                           <p:attrName>style.visibility</p:attrName>
@@ -5959,88 +6023,7 @@
                                           </p:stCondLst>
                                         </p:cTn>
                                         <p:tgtEl>
-                                          <p:spTgt spid="34"/>
-                                        </p:tgtEl>
-                                        <p:attrNameLst>
-                                          <p:attrName>style.visibility</p:attrName>
-                                        </p:attrNameLst>
-                                      </p:cBhvr>
-                                      <p:to>
-                                        <p:strVal val="hidden"/>
-                                      </p:to>
-                                    </p:set>
-                                  </p:childTnLst>
-                                </p:cTn>
-                              </p:par>
-                              <p:par>
-                                <p:cTn id="31" presetID="1" presetClass="exit" presetSubtype="0" fill="hold" grpId="0" nodeType="withEffect">
-                                  <p:stCondLst>
-                                    <p:cond delay="0"/>
-                                  </p:stCondLst>
-                                  <p:childTnLst>
-                                    <p:set>
-                                      <p:cBhvr>
-                                        <p:cTn id="32" dur="1" fill="hold">
-                                          <p:stCondLst>
-                                            <p:cond delay="0"/>
-                                          </p:stCondLst>
-                                        </p:cTn>
-                                        <p:tgtEl>
                                           <p:spTgt spid="38"/>
-                                        </p:tgtEl>
-                                        <p:attrNameLst>
-                                          <p:attrName>style.visibility</p:attrName>
-                                        </p:attrNameLst>
-                                      </p:cBhvr>
-                                      <p:to>
-                                        <p:strVal val="hidden"/>
-                                      </p:to>
-                                    </p:set>
-                                  </p:childTnLst>
-                                </p:cTn>
-                              </p:par>
-                              <p:par>
-                                <p:cTn id="33" presetID="1" presetClass="exit" presetSubtype="0" fill="hold" grpId="0" nodeType="withEffect">
-                                  <p:stCondLst>
-                                    <p:cond delay="0"/>
-                                  </p:stCondLst>
-                                  <p:childTnLst>
-                                    <p:set>
-                                      <p:cBhvr>
-                                        <p:cTn id="34" dur="1" fill="hold">
-                                          <p:stCondLst>
-                                            <p:cond delay="0"/>
-                                          </p:stCondLst>
-                                        </p:cTn>
-                                        <p:tgtEl>
-                                          <p:spTgt spid="42"/>
-                                        </p:tgtEl>
-                                        <p:attrNameLst>
-                                          <p:attrName>style.visibility</p:attrName>
-                                        </p:attrNameLst>
-                                      </p:cBhvr>
-                                      <p:to>
-                                        <p:strVal val="hidden"/>
-                                      </p:to>
-                                    </p:set>
-                                  </p:childTnLst>
-                                </p:cTn>
-                              </p:par>
-                              <p:par>
-                                <p:cTn id="35" presetID="1" presetClass="exit" presetSubtype="0" fill="hold" grpId="0" nodeType="withEffect">
-                                  <p:stCondLst>
-                                    <p:cond delay="0"/>
-                                  </p:stCondLst>
-                                  <p:childTnLst>
-                                    <p:set>
-                                      <p:cBhvr>
-                                        <p:cTn id="36" dur="1" fill="hold">
-                                          <p:stCondLst>
-                                            <p:cond delay="0"/>
-                                          </p:stCondLst>
-                                        </p:cTn>
-                                        <p:tgtEl>
-                                          <p:spTgt spid="43"/>
                                         </p:tgtEl>
                                         <p:attrNameLst>
                                           <p:attrName>style.visibility</p:attrName>
@@ -6060,26 +6043,26 @@
                     </p:cTn>
                   </p:par>
                   <p:par>
-                    <p:cTn id="37" fill="hold">
+                    <p:cTn id="31" fill="hold">
                       <p:stCondLst>
                         <p:cond delay="indefinite"/>
                       </p:stCondLst>
                       <p:childTnLst>
                         <p:par>
-                          <p:cTn id="38" fill="hold">
+                          <p:cTn id="32" fill="hold">
                             <p:stCondLst>
                               <p:cond delay="0"/>
                             </p:stCondLst>
                             <p:childTnLst>
                               <p:par>
-                                <p:cTn id="39" presetID="1" presetClass="entr" presetSubtype="0" fill="hold" grpId="0" nodeType="clickEffect">
+                                <p:cTn id="33" presetID="1" presetClass="entr" presetSubtype="0" fill="hold" grpId="0" nodeType="clickEffect">
                                   <p:stCondLst>
                                     <p:cond delay="0"/>
                                   </p:stCondLst>
                                   <p:childTnLst>
                                     <p:set>
                                       <p:cBhvr>
-                                        <p:cTn id="40" dur="1" fill="hold">
+                                        <p:cTn id="34" dur="1" fill="hold">
                                           <p:stCondLst>
                                             <p:cond delay="0"/>
                                           </p:stCondLst>
@@ -6099,7 +6082,88 @@
                                 </p:cTn>
                               </p:par>
                               <p:par>
-                                <p:cTn id="41" presetID="1" presetClass="exit" presetSubtype="0" fill="hold" grpId="1" nodeType="withEffect">
+                                <p:cTn id="35" presetID="1" presetClass="exit" presetSubtype="0" fill="hold" grpId="1" nodeType="withEffect">
+                                  <p:stCondLst>
+                                    <p:cond delay="0"/>
+                                  </p:stCondLst>
+                                  <p:childTnLst>
+                                    <p:set>
+                                      <p:cBhvr>
+                                        <p:cTn id="36" dur="1" fill="hold">
+                                          <p:stCondLst>
+                                            <p:cond delay="0"/>
+                                          </p:stCondLst>
+                                        </p:cTn>
+                                        <p:tgtEl>
+                                          <p:spTgt spid="45"/>
+                                        </p:tgtEl>
+                                        <p:attrNameLst>
+                                          <p:attrName>style.visibility</p:attrName>
+                                        </p:attrNameLst>
+                                      </p:cBhvr>
+                                      <p:to>
+                                        <p:strVal val="hidden"/>
+                                      </p:to>
+                                    </p:set>
+                                  </p:childTnLst>
+                                </p:cTn>
+                              </p:par>
+                              <p:par>
+                                <p:cTn id="37" presetID="1" presetClass="entr" presetSubtype="0" fill="hold" grpId="0" nodeType="withEffect">
+                                  <p:stCondLst>
+                                    <p:cond delay="0"/>
+                                  </p:stCondLst>
+                                  <p:childTnLst>
+                                    <p:set>
+                                      <p:cBhvr>
+                                        <p:cTn id="38" dur="1" fill="hold">
+                                          <p:stCondLst>
+                                            <p:cond delay="0"/>
+                                          </p:stCondLst>
+                                        </p:cTn>
+                                        <p:tgtEl>
+                                          <p:spTgt spid="47"/>
+                                        </p:tgtEl>
+                                        <p:attrNameLst>
+                                          <p:attrName>style.visibility</p:attrName>
+                                        </p:attrNameLst>
+                                      </p:cBhvr>
+                                      <p:to>
+                                        <p:strVal val="visible"/>
+                                      </p:to>
+                                    </p:set>
+                                  </p:childTnLst>
+                                </p:cTn>
+                              </p:par>
+                              <p:par>
+                                <p:cTn id="39" presetID="1" presetClass="exit" presetSubtype="0" fill="hold" grpId="1" nodeType="withEffect">
+                                  <p:stCondLst>
+                                    <p:cond delay="0"/>
+                                  </p:stCondLst>
+                                  <p:childTnLst>
+                                    <p:set>
+                                      <p:cBhvr>
+                                        <p:cTn id="40" dur="1" fill="hold">
+                                          <p:stCondLst>
+                                            <p:cond delay="0"/>
+                                          </p:stCondLst>
+                                        </p:cTn>
+                                        <p:tgtEl>
+                                          <p:spTgt spid="47"/>
+                                        </p:tgtEl>
+                                        <p:attrNameLst>
+                                          <p:attrName>style.visibility</p:attrName>
+                                        </p:attrNameLst>
+                                      </p:cBhvr>
+                                      <p:to>
+                                        <p:strVal val="hidden"/>
+                                      </p:to>
+                                    </p:set>
+                                  </p:childTnLst>
+                                </p:cTn>
+                              </p:par>
+                              <p:par>
+                                <p:cTn id="41" presetID="1" presetClass="exit" presetSubtype="0" fill="hold" grpId="0" nodeType="withEffect">
                                   <p:stCondLst>
                                     <p:cond delay="0"/>
                                   </p:stCondLst>
@@ -6112,7 +6176,7 @@
                                           </p:stCondLst>
                                         </p:cTn>
                                         <p:tgtEl>
-                                          <p:spTgt spid="45"/>
+                                          <p:spTgt spid="48"/>
                                         </p:tgtEl>
                                         <p:attrNameLst>
                                           <p:attrName>style.visibility</p:attrName>
@@ -6139,7 +6203,7 @@
                                           </p:stCondLst>
                                         </p:cTn>
                                         <p:tgtEl>
-                                          <p:spTgt spid="47"/>
+                                          <p:spTgt spid="51"/>
                                         </p:tgtEl>
                                         <p:attrNameLst>
                                           <p:attrName>style.visibility</p:attrName>
@@ -6166,7 +6230,7 @@
                                           </p:stCondLst>
                                         </p:cTn>
                                         <p:tgtEl>
-                                          <p:spTgt spid="47"/>
+                                          <p:spTgt spid="51"/>
                                         </p:tgtEl>
                                         <p:attrNameLst>
                                           <p:attrName>style.visibility</p:attrName>
@@ -6193,114 +6257,6 @@
                                           </p:stCondLst>
                                         </p:cTn>
                                         <p:tgtEl>
-                                          <p:spTgt spid="48"/>
-                                        </p:tgtEl>
-                                        <p:attrNameLst>
-                                          <p:attrName>style.visibility</p:attrName>
-                                        </p:attrNameLst>
-                                      </p:cBhvr>
-                                      <p:to>
-                                        <p:strVal val="hidden"/>
-                                      </p:to>
-                                    </p:set>
-                                  </p:childTnLst>
-                                </p:cTn>
-                              </p:par>
-                              <p:par>
-                                <p:cTn id="49" presetID="1" presetClass="entr" presetSubtype="0" fill="hold" grpId="0" nodeType="withEffect">
-                                  <p:stCondLst>
-                                    <p:cond delay="0"/>
-                                  </p:stCondLst>
-                                  <p:childTnLst>
-                                    <p:set>
-                                      <p:cBhvr>
-                                        <p:cTn id="50" dur="1" fill="hold">
-                                          <p:stCondLst>
-                                            <p:cond delay="0"/>
-                                          </p:stCondLst>
-                                        </p:cTn>
-                                        <p:tgtEl>
-                                          <p:spTgt spid="51"/>
-                                        </p:tgtEl>
-                                        <p:attrNameLst>
-                                          <p:attrName>style.visibility</p:attrName>
-                                        </p:attrNameLst>
-                                      </p:cBhvr>
-                                      <p:to>
-                                        <p:strVal val="visible"/>
-                                      </p:to>
-                                    </p:set>
-                                  </p:childTnLst>
-                                </p:cTn>
-                              </p:par>
-                              <p:par>
-                                <p:cTn id="51" presetID="1" presetClass="exit" presetSubtype="0" fill="hold" grpId="1" nodeType="withEffect">
-                                  <p:stCondLst>
-                                    <p:cond delay="0"/>
-                                  </p:stCondLst>
-                                  <p:childTnLst>
-                                    <p:set>
-                                      <p:cBhvr>
-                                        <p:cTn id="52" dur="1" fill="hold">
-                                          <p:stCondLst>
-                                            <p:cond delay="0"/>
-                                          </p:stCondLst>
-                                        </p:cTn>
-                                        <p:tgtEl>
-                                          <p:spTgt spid="51"/>
-                                        </p:tgtEl>
-                                        <p:attrNameLst>
-                                          <p:attrName>style.visibility</p:attrName>
-                                        </p:attrNameLst>
-                                      </p:cBhvr>
-                                      <p:to>
-                                        <p:strVal val="hidden"/>
-                                      </p:to>
-                                    </p:set>
-                                  </p:childTnLst>
-                                </p:cTn>
-                              </p:par>
-                              <p:par>
-                                <p:cTn id="53" presetID="1" presetClass="exit" presetSubtype="0" fill="hold" grpId="0" nodeType="withEffect">
-                                  <p:stCondLst>
-                                    <p:cond delay="0"/>
-                                  </p:stCondLst>
-                                  <p:childTnLst>
-                                    <p:set>
-                                      <p:cBhvr>
-                                        <p:cTn id="54" dur="1" fill="hold">
-                                          <p:stCondLst>
-                                            <p:cond delay="0"/>
-                                          </p:stCondLst>
-                                        </p:cTn>
-                                        <p:tgtEl>
-                                          <p:spTgt spid="52"/>
-                                        </p:tgtEl>
-                                        <p:attrNameLst>
-                                          <p:attrName>style.visibility</p:attrName>
-                                        </p:attrNameLst>
-                                      </p:cBhvr>
-                                      <p:to>
-                                        <p:strVal val="hidden"/>
-                                      </p:to>
-                                    </p:set>
-                                  </p:childTnLst>
-                                </p:cTn>
-                              </p:par>
-                              <p:par>
-                                <p:cTn id="55" presetID="1" presetClass="exit" presetSubtype="0" fill="hold" grpId="0" nodeType="withEffect">
-                                  <p:stCondLst>
-                                    <p:cond delay="0"/>
-                                  </p:stCondLst>
-                                  <p:childTnLst>
-                                    <p:set>
-                                      <p:cBhvr>
-                                        <p:cTn id="56" dur="1" fill="hold">
-                                          <p:stCondLst>
-                                            <p:cond delay="0"/>
-                                          </p:stCondLst>
-                                        </p:cTn>
-                                        <p:tgtEl>
                                           <p:spTgt spid="30"/>
                                         </p:tgtEl>
                                         <p:attrNameLst>
@@ -6309,87 +6265,6 @@
                                       </p:cBhvr>
                                       <p:to>
                                         <p:strVal val="hidden"/>
-                                      </p:to>
-                                    </p:set>
-                                  </p:childTnLst>
-                                </p:cTn>
-                              </p:par>
-                              <p:par>
-                                <p:cTn id="57" presetID="1" presetClass="entr" presetSubtype="0" fill="hold" grpId="0" nodeType="withEffect">
-                                  <p:stCondLst>
-                                    <p:cond delay="0"/>
-                                  </p:stCondLst>
-                                  <p:childTnLst>
-                                    <p:set>
-                                      <p:cBhvr>
-                                        <p:cTn id="58" dur="1" fill="hold">
-                                          <p:stCondLst>
-                                            <p:cond delay="0"/>
-                                          </p:stCondLst>
-                                        </p:cTn>
-                                        <p:tgtEl>
-                                          <p:spTgt spid="32"/>
-                                        </p:tgtEl>
-                                        <p:attrNameLst>
-                                          <p:attrName>style.visibility</p:attrName>
-                                        </p:attrNameLst>
-                                      </p:cBhvr>
-                                      <p:to>
-                                        <p:strVal val="visible"/>
-                                      </p:to>
-                                    </p:set>
-                                  </p:childTnLst>
-                                </p:cTn>
-                              </p:par>
-                              <p:par>
-                                <p:cTn id="59" presetID="1" presetClass="entr" presetSubtype="0" fill="hold" grpId="0" nodeType="withEffect">
-                                  <p:stCondLst>
-                                    <p:cond delay="0"/>
-                                  </p:stCondLst>
-                                  <p:childTnLst>
-                                    <p:set>
-                                      <p:cBhvr>
-                                        <p:cTn id="60" dur="1" fill="hold">
-                                          <p:stCondLst>
-                                            <p:cond delay="0"/>
-                                          </p:stCondLst>
-                                        </p:cTn>
-                                        <p:tgtEl>
-                                          <p:spTgt spid="35"/>
-                                        </p:tgtEl>
-                                        <p:attrNameLst>
-                                          <p:attrName>style.visibility</p:attrName>
-                                        </p:attrNameLst>
-                                      </p:cBhvr>
-                                      <p:to>
-                                        <p:strVal val="visible"/>
-                                      </p:to>
-                                    </p:set>
-                                  </p:childTnLst>
-                                </p:cTn>
-                              </p:par>
-                              <p:par>
-                                <p:cTn id="61" presetID="1" presetClass="entr" presetSubtype="0" fill="hold" grpId="0" nodeType="withEffect">
-                                  <p:stCondLst>
-                                    <p:cond delay="0"/>
-                                  </p:stCondLst>
-                                  <p:childTnLst>
-                                    <p:set>
-                                      <p:cBhvr>
-                                        <p:cTn id="62" dur="1" fill="hold">
-                                          <p:stCondLst>
-                                            <p:cond delay="0"/>
-                                          </p:stCondLst>
-                                        </p:cTn>
-                                        <p:tgtEl>
-                                          <p:spTgt spid="36"/>
-                                        </p:tgtEl>
-                                        <p:attrNameLst>
-                                          <p:attrName>style.visibility</p:attrName>
-                                        </p:attrNameLst>
-                                      </p:cBhvr>
-                                      <p:to>
-                                        <p:strVal val="visible"/>
                                       </p:to>
                                     </p:set>
                                   </p:childTnLst>
@@ -6424,7 +6299,6 @@
     </p:tnLst>
     <p:bldLst>
       <p:bldP spid="5" grpId="0" animBg="1"/>
-      <p:bldP spid="6" grpId="0" animBg="1"/>
       <p:bldP spid="18" grpId="0" animBg="1"/>
       <p:bldP spid="19" grpId="0" animBg="1"/>
       <p:bldP spid="20" grpId="0" animBg="1"/>
@@ -6437,8 +6311,6 @@
       <p:bldP spid="33" grpId="0" animBg="1"/>
       <p:bldP spid="34" grpId="0" animBg="1"/>
       <p:bldP spid="38" grpId="0"/>
-      <p:bldP spid="42" grpId="0" animBg="1"/>
-      <p:bldP spid="43" grpId="0" animBg="1"/>
       <p:bldP spid="45" grpId="0" animBg="1"/>
       <p:bldP spid="45" grpId="1" animBg="1"/>
       <p:bldP spid="47" grpId="0"/>
@@ -6446,11 +6318,7 @@
       <p:bldP spid="48" grpId="0" animBg="1"/>
       <p:bldP spid="51" grpId="0"/>
       <p:bldP spid="51" grpId="1"/>
-      <p:bldP spid="52" grpId="0" animBg="1"/>
       <p:bldP spid="30" grpId="0" animBg="1"/>
-      <p:bldP spid="32" grpId="0" animBg="1"/>
-      <p:bldP spid="35" grpId="0" animBg="1"/>
-      <p:bldP spid="36" grpId="0"/>
     </p:bldLst>
   </p:timing>
 </p:sld>

--- a/docs/slides/Find.pptx
+++ b/docs/slides/Find.pptx
@@ -3971,6 +3971,104 @@
       </p:grpSpPr>
       <p:sp>
         <p:nvSpPr>
+          <p:cNvPr id="39" name="Rectangle 38">
+            <a:extLst>
+              <a:ext uri="{FF2B5EF4-FFF2-40B4-BE49-F238E27FC236}">
+                <a16:creationId xmlns:a16="http://schemas.microsoft.com/office/drawing/2014/main" id="{069FB1D7-E062-43EA-B914-35B271702825}"/>
+              </a:ext>
+            </a:extLst>
+          </p:cNvPr>
+          <p:cNvSpPr/>
+          <p:nvPr/>
+        </p:nvSpPr>
+        <p:spPr>
+          <a:xfrm>
+            <a:off x="5749091" y="4473923"/>
+            <a:ext cx="2671264" cy="571011"/>
+          </a:xfrm>
+          <a:prstGeom prst="rect">
+            <a:avLst/>
+          </a:prstGeom>
+          <a:gradFill rotWithShape="1">
+            <a:gsLst>
+              <a:gs pos="0">
+                <a:srgbClr val="4F81BD">
+                  <a:tint val="50000"/>
+                  <a:satMod val="300000"/>
+                </a:srgbClr>
+              </a:gs>
+              <a:gs pos="35000">
+                <a:srgbClr val="4F81BD">
+                  <a:tint val="37000"/>
+                  <a:satMod val="300000"/>
+                </a:srgbClr>
+              </a:gs>
+              <a:gs pos="100000">
+                <a:srgbClr val="4F81BD">
+                  <a:tint val="15000"/>
+                  <a:satMod val="350000"/>
+                </a:srgbClr>
+              </a:gs>
+            </a:gsLst>
+            <a:lin ang="16200000" scaled="1"/>
+          </a:gradFill>
+          <a:ln w="9525" cap="flat" cmpd="sng" algn="ctr">
+            <a:solidFill>
+              <a:srgbClr val="4F81BD">
+                <a:shade val="95000"/>
+                <a:satMod val="105000"/>
+              </a:srgbClr>
+            </a:solidFill>
+            <a:prstDash val="solid"/>
+          </a:ln>
+          <a:effectLst>
+            <a:outerShdw blurRad="40000" dist="20000" dir="5400000" rotWithShape="0">
+              <a:srgbClr val="000000">
+                <a:alpha val="38000"/>
+              </a:srgbClr>
+            </a:outerShdw>
+          </a:effectLst>
+        </p:spPr>
+        <p:txBody>
+          <a:bodyPr rtlCol="0" anchor="ctr"/>
+          <a:lstStyle/>
+          <a:p>
+            <a:pPr marL="0" marR="0" lvl="0" indent="0" algn="ctr" defTabSz="914400" eaLnBrk="1" fontAlgn="auto" latinLnBrk="0" hangingPunct="1">
+              <a:lnSpc>
+                <a:spcPct val="100000"/>
+              </a:lnSpc>
+              <a:spcBef>
+                <a:spcPts val="0"/>
+              </a:spcBef>
+              <a:spcAft>
+                <a:spcPts val="0"/>
+              </a:spcAft>
+              <a:buClrTx/>
+              <a:buSzTx/>
+              <a:buFontTx/>
+              <a:buNone/>
+              <a:tabLst/>
+              <a:defRPr/>
+            </a:pPr>
+            <a:endParaRPr kumimoji="0" lang="en-SG" sz="1800" b="0" i="0" u="none" strike="noStrike" kern="0" cap="none" spc="0" normalizeH="0" baseline="0" noProof="0" dirty="0">
+              <a:ln>
+                <a:noFill/>
+              </a:ln>
+              <a:solidFill>
+                <a:prstClr val="black"/>
+              </a:solidFill>
+              <a:effectLst/>
+              <a:uLnTx/>
+              <a:uFillTx/>
+              <a:latin typeface="Calibri"/>
+              <a:ea typeface="+mn-ea"/>
+              <a:cs typeface="+mn-cs"/>
+            </a:endParaRPr>
+          </a:p>
+        </p:txBody>
+      </p:sp>
+      <p:sp>
+        <p:nvSpPr>
           <p:cNvPr id="5" name="Line 13"/>
           <p:cNvSpPr>
             <a:spLocks noChangeShapeType="1"/>
@@ -5233,187 +5331,12 @@
         </p:nvGrpSpPr>
         <p:grpSpPr>
           <a:xfrm>
-            <a:off x="5749090" y="4476862"/>
-            <a:ext cx="3193076" cy="651617"/>
-            <a:chOff x="5749090" y="4476862"/>
-            <a:chExt cx="3193076" cy="651617"/>
+            <a:off x="5749090" y="4477790"/>
+            <a:ext cx="3193076" cy="406532"/>
+            <a:chOff x="5749090" y="4477790"/>
+            <a:chExt cx="3193076" cy="406532"/>
           </a:xfrm>
         </p:grpSpPr>
-        <p:sp>
-          <p:nvSpPr>
-            <p:cNvPr id="32" name="Rectangle 31">
-              <a:extLst>
-                <a:ext uri="{FF2B5EF4-FFF2-40B4-BE49-F238E27FC236}">
-                  <a16:creationId xmlns:a16="http://schemas.microsoft.com/office/drawing/2014/main" id="{E7BAA58F-A872-4FEF-AD11-8205C35F6FBC}"/>
-                </a:ext>
-              </a:extLst>
-            </p:cNvPr>
-            <p:cNvSpPr>
-              <a:spLocks noChangeArrowheads="1"/>
-            </p:cNvSpPr>
-            <p:nvPr/>
-          </p:nvSpPr>
-          <p:spPr bwMode="auto">
-            <a:xfrm>
-              <a:off x="5749090" y="4476862"/>
-              <a:ext cx="2804646" cy="651617"/>
-            </a:xfrm>
-            <a:prstGeom prst="rect">
-              <a:avLst/>
-            </a:prstGeom>
-            <a:solidFill>
-              <a:srgbClr val="00CCFF"/>
-            </a:solidFill>
-            <a:ln w="19050" algn="ctr">
-              <a:solidFill>
-                <a:srgbClr val="0070C0"/>
-              </a:solidFill>
-              <a:miter lim="800000"/>
-              <a:headEnd/>
-              <a:tailEnd/>
-            </a:ln>
-          </p:spPr>
-          <p:txBody>
-            <a:bodyPr wrap="none" anchor="ctr"/>
-            <a:lstStyle>
-              <a:defPPr>
-                <a:defRPr lang="en-SG"/>
-              </a:defPPr>
-              <a:lvl1pPr algn="l" rtl="0" fontAlgn="base">
-                <a:spcBef>
-                  <a:spcPct val="0"/>
-                </a:spcBef>
-                <a:spcAft>
-                  <a:spcPct val="0"/>
-                </a:spcAft>
-                <a:defRPr kern="1200">
-                  <a:solidFill>
-                    <a:schemeClr val="tx1"/>
-                  </a:solidFill>
-                  <a:latin typeface="Arial" charset="0"/>
-                  <a:ea typeface="+mn-ea"/>
-                  <a:cs typeface="Arial" charset="0"/>
-                </a:defRPr>
-              </a:lvl1pPr>
-              <a:lvl2pPr marL="457200" algn="l" rtl="0" fontAlgn="base">
-                <a:spcBef>
-                  <a:spcPct val="0"/>
-                </a:spcBef>
-                <a:spcAft>
-                  <a:spcPct val="0"/>
-                </a:spcAft>
-                <a:defRPr kern="1200">
-                  <a:solidFill>
-                    <a:schemeClr val="tx1"/>
-                  </a:solidFill>
-                  <a:latin typeface="Arial" charset="0"/>
-                  <a:ea typeface="+mn-ea"/>
-                  <a:cs typeface="Arial" charset="0"/>
-                </a:defRPr>
-              </a:lvl2pPr>
-              <a:lvl3pPr marL="914400" algn="l" rtl="0" fontAlgn="base">
-                <a:spcBef>
-                  <a:spcPct val="0"/>
-                </a:spcBef>
-                <a:spcAft>
-                  <a:spcPct val="0"/>
-                </a:spcAft>
-                <a:defRPr kern="1200">
-                  <a:solidFill>
-                    <a:schemeClr val="tx1"/>
-                  </a:solidFill>
-                  <a:latin typeface="Arial" charset="0"/>
-                  <a:ea typeface="+mn-ea"/>
-                  <a:cs typeface="Arial" charset="0"/>
-                </a:defRPr>
-              </a:lvl3pPr>
-              <a:lvl4pPr marL="1371600" algn="l" rtl="0" fontAlgn="base">
-                <a:spcBef>
-                  <a:spcPct val="0"/>
-                </a:spcBef>
-                <a:spcAft>
-                  <a:spcPct val="0"/>
-                </a:spcAft>
-                <a:defRPr kern="1200">
-                  <a:solidFill>
-                    <a:schemeClr val="tx1"/>
-                  </a:solidFill>
-                  <a:latin typeface="Arial" charset="0"/>
-                  <a:ea typeface="+mn-ea"/>
-                  <a:cs typeface="Arial" charset="0"/>
-                </a:defRPr>
-              </a:lvl4pPr>
-              <a:lvl5pPr marL="1828800" algn="l" rtl="0" fontAlgn="base">
-                <a:spcBef>
-                  <a:spcPct val="0"/>
-                </a:spcBef>
-                <a:spcAft>
-                  <a:spcPct val="0"/>
-                </a:spcAft>
-                <a:defRPr kern="1200">
-                  <a:solidFill>
-                    <a:schemeClr val="tx1"/>
-                  </a:solidFill>
-                  <a:latin typeface="Arial" charset="0"/>
-                  <a:ea typeface="+mn-ea"/>
-                  <a:cs typeface="Arial" charset="0"/>
-                </a:defRPr>
-              </a:lvl5pPr>
-              <a:lvl6pPr marL="2286000" algn="l" defTabSz="914400" rtl="0" eaLnBrk="1" latinLnBrk="0" hangingPunct="1">
-                <a:defRPr kern="1200">
-                  <a:solidFill>
-                    <a:schemeClr val="tx1"/>
-                  </a:solidFill>
-                  <a:latin typeface="Arial" charset="0"/>
-                  <a:ea typeface="+mn-ea"/>
-                  <a:cs typeface="Arial" charset="0"/>
-                </a:defRPr>
-              </a:lvl6pPr>
-              <a:lvl7pPr marL="2743200" algn="l" defTabSz="914400" rtl="0" eaLnBrk="1" latinLnBrk="0" hangingPunct="1">
-                <a:defRPr kern="1200">
-                  <a:solidFill>
-                    <a:schemeClr val="tx1"/>
-                  </a:solidFill>
-                  <a:latin typeface="Arial" charset="0"/>
-                  <a:ea typeface="+mn-ea"/>
-                  <a:cs typeface="Arial" charset="0"/>
-                </a:defRPr>
-              </a:lvl7pPr>
-              <a:lvl8pPr marL="3200400" algn="l" defTabSz="914400" rtl="0" eaLnBrk="1" latinLnBrk="0" hangingPunct="1">
-                <a:defRPr kern="1200">
-                  <a:solidFill>
-                    <a:schemeClr val="tx1"/>
-                  </a:solidFill>
-                  <a:latin typeface="Arial" charset="0"/>
-                  <a:ea typeface="+mn-ea"/>
-                  <a:cs typeface="Arial" charset="0"/>
-                </a:defRPr>
-              </a:lvl8pPr>
-              <a:lvl9pPr marL="3657600" algn="l" defTabSz="914400" rtl="0" eaLnBrk="1" latinLnBrk="0" hangingPunct="1">
-                <a:defRPr kern="1200">
-                  <a:solidFill>
-                    <a:schemeClr val="tx1"/>
-                  </a:solidFill>
-                  <a:latin typeface="Arial" charset="0"/>
-                  <a:ea typeface="+mn-ea"/>
-                  <a:cs typeface="Arial" charset="0"/>
-                </a:defRPr>
-              </a:lvl9pPr>
-            </a:lstStyle>
-            <a:p>
-              <a:pPr defTabSz="872733"/>
-              <a:r>
-                <a:rPr lang="en-US" sz="2000" dirty="0">
-                  <a:solidFill>
-                    <a:prstClr val="black"/>
-                  </a:solidFill>
-                  <a:latin typeface="Calibri" pitchFamily="34" charset="0"/>
-                </a:rPr>
-                <a:t>					</a:t>
-              </a:r>
-            </a:p>
-          </p:txBody>
-        </p:sp>
         <p:sp>
           <p:nvSpPr>
             <p:cNvPr id="35" name="Snip Single Corner Rectangle 63">

--- a/docs/slides/Find.pptx
+++ b/docs/slides/Find.pptx
@@ -3983,8 +3983,8 @@
         </p:nvSpPr>
         <p:spPr>
           <a:xfrm>
-            <a:off x="5749091" y="4473923"/>
-            <a:ext cx="2671264" cy="571011"/>
+            <a:off x="5749092" y="4455359"/>
+            <a:ext cx="2480509" cy="528528"/>
           </a:xfrm>
           <a:prstGeom prst="rect">
             <a:avLst/>
@@ -5331,10 +5331,10 @@
         </p:nvGrpSpPr>
         <p:grpSpPr>
           <a:xfrm>
-            <a:off x="5749090" y="4477790"/>
-            <a:ext cx="3193076" cy="406532"/>
-            <a:chOff x="5749090" y="4477790"/>
-            <a:chExt cx="3193076" cy="406532"/>
+            <a:off x="5749092" y="4390140"/>
+            <a:ext cx="3311384" cy="381000"/>
+            <a:chOff x="5749091" y="4412571"/>
+            <a:chExt cx="3311384" cy="381000"/>
           </a:xfrm>
         </p:grpSpPr>
         <p:sp>
@@ -5351,16 +5351,18 @@
           </p:nvSpPr>
           <p:spPr>
             <a:xfrm flipV="1">
-              <a:off x="5749090" y="4477790"/>
-              <a:ext cx="754669" cy="403761"/>
+              <a:off x="5749091" y="4477790"/>
+              <a:ext cx="575508" cy="243970"/>
             </a:xfrm>
             <a:prstGeom prst="snip1Rect">
               <a:avLst/>
             </a:prstGeom>
             <a:solidFill>
-              <a:schemeClr val="bg1"/>
+              <a:schemeClr val="bg1">
+                <a:lumMod val="95000"/>
+              </a:schemeClr>
             </a:solidFill>
-            <a:ln>
+            <a:ln w="12700">
               <a:solidFill>
                 <a:srgbClr val="0070C0"/>
               </a:solidFill>
@@ -5409,7 +5411,7 @@
           </p:nvSpPr>
           <p:spPr bwMode="auto">
             <a:xfrm>
-              <a:off x="5749090" y="4503322"/>
+              <a:off x="5867399" y="4412571"/>
               <a:ext cx="3193076" cy="381000"/>
             </a:xfrm>
             <a:prstGeom prst="rect">
@@ -5566,18 +5568,200 @@
             <a:p>
               <a:pPr defTabSz="872733"/>
               <a:r>
-                <a:rPr lang="en-US" sz="2000" dirty="0">
+                <a:rPr lang="en-US" sz="1500" dirty="0">
                   <a:solidFill>
                     <a:prstClr val="black"/>
                   </a:solidFill>
                   <a:cs typeface="Arial" charset="0"/>
                 </a:rPr>
-                <a:t>ref           find items</a:t>
+                <a:t>ref</a:t>
               </a:r>
             </a:p>
           </p:txBody>
         </p:sp>
       </p:grpSp>
+      <p:sp>
+        <p:nvSpPr>
+          <p:cNvPr id="32" name="Rectangle 31">
+            <a:extLst>
+              <a:ext uri="{FF2B5EF4-FFF2-40B4-BE49-F238E27FC236}">
+                <a16:creationId xmlns:a16="http://schemas.microsoft.com/office/drawing/2014/main" id="{9D948710-2286-4E6A-9A3A-4D6291D6C852}"/>
+              </a:ext>
+            </a:extLst>
+          </p:cNvPr>
+          <p:cNvSpPr/>
+          <p:nvPr/>
+        </p:nvSpPr>
+        <p:spPr bwMode="auto">
+          <a:xfrm>
+            <a:off x="6494246" y="4577344"/>
+            <a:ext cx="958147" cy="381000"/>
+          </a:xfrm>
+          <a:prstGeom prst="rect">
+            <a:avLst/>
+          </a:prstGeom>
+          <a:noFill/>
+          <a:ln>
+            <a:noFill/>
+          </a:ln>
+        </p:spPr>
+        <p:style>
+          <a:lnRef idx="2">
+            <a:schemeClr val="accent1">
+              <a:shade val="50000"/>
+            </a:schemeClr>
+          </a:lnRef>
+          <a:fillRef idx="1">
+            <a:schemeClr val="accent1"/>
+          </a:fillRef>
+          <a:effectRef idx="0">
+            <a:schemeClr val="accent1"/>
+          </a:effectRef>
+          <a:fontRef idx="minor">
+            <a:schemeClr val="lt1"/>
+          </a:fontRef>
+        </p:style>
+        <p:txBody>
+          <a:bodyPr anchor="ctr"/>
+          <a:lstStyle>
+            <a:defPPr>
+              <a:defRPr lang="en-SG"/>
+            </a:defPPr>
+            <a:lvl1pPr algn="l" rtl="0" fontAlgn="base">
+              <a:spcBef>
+                <a:spcPct val="0"/>
+              </a:spcBef>
+              <a:spcAft>
+                <a:spcPct val="0"/>
+              </a:spcAft>
+              <a:defRPr kern="1200">
+                <a:solidFill>
+                  <a:schemeClr val="lt1"/>
+                </a:solidFill>
+                <a:latin typeface="+mn-lt"/>
+                <a:ea typeface="+mn-ea"/>
+                <a:cs typeface="+mn-cs"/>
+              </a:defRPr>
+            </a:lvl1pPr>
+            <a:lvl2pPr marL="457200" algn="l" rtl="0" fontAlgn="base">
+              <a:spcBef>
+                <a:spcPct val="0"/>
+              </a:spcBef>
+              <a:spcAft>
+                <a:spcPct val="0"/>
+              </a:spcAft>
+              <a:defRPr kern="1200">
+                <a:solidFill>
+                  <a:schemeClr val="lt1"/>
+                </a:solidFill>
+                <a:latin typeface="+mn-lt"/>
+                <a:ea typeface="+mn-ea"/>
+                <a:cs typeface="+mn-cs"/>
+              </a:defRPr>
+            </a:lvl2pPr>
+            <a:lvl3pPr marL="914400" algn="l" rtl="0" fontAlgn="base">
+              <a:spcBef>
+                <a:spcPct val="0"/>
+              </a:spcBef>
+              <a:spcAft>
+                <a:spcPct val="0"/>
+              </a:spcAft>
+              <a:defRPr kern="1200">
+                <a:solidFill>
+                  <a:schemeClr val="lt1"/>
+                </a:solidFill>
+                <a:latin typeface="+mn-lt"/>
+                <a:ea typeface="+mn-ea"/>
+                <a:cs typeface="+mn-cs"/>
+              </a:defRPr>
+            </a:lvl3pPr>
+            <a:lvl4pPr marL="1371600" algn="l" rtl="0" fontAlgn="base">
+              <a:spcBef>
+                <a:spcPct val="0"/>
+              </a:spcBef>
+              <a:spcAft>
+                <a:spcPct val="0"/>
+              </a:spcAft>
+              <a:defRPr kern="1200">
+                <a:solidFill>
+                  <a:schemeClr val="lt1"/>
+                </a:solidFill>
+                <a:latin typeface="+mn-lt"/>
+                <a:ea typeface="+mn-ea"/>
+                <a:cs typeface="+mn-cs"/>
+              </a:defRPr>
+            </a:lvl4pPr>
+            <a:lvl5pPr marL="1828800" algn="l" rtl="0" fontAlgn="base">
+              <a:spcBef>
+                <a:spcPct val="0"/>
+              </a:spcBef>
+              <a:spcAft>
+                <a:spcPct val="0"/>
+              </a:spcAft>
+              <a:defRPr kern="1200">
+                <a:solidFill>
+                  <a:schemeClr val="lt1"/>
+                </a:solidFill>
+                <a:latin typeface="+mn-lt"/>
+                <a:ea typeface="+mn-ea"/>
+                <a:cs typeface="+mn-cs"/>
+              </a:defRPr>
+            </a:lvl5pPr>
+            <a:lvl6pPr marL="2286000" algn="l" defTabSz="914400" rtl="0" eaLnBrk="1" latinLnBrk="0" hangingPunct="1">
+              <a:defRPr kern="1200">
+                <a:solidFill>
+                  <a:schemeClr val="lt1"/>
+                </a:solidFill>
+                <a:latin typeface="+mn-lt"/>
+                <a:ea typeface="+mn-ea"/>
+                <a:cs typeface="+mn-cs"/>
+              </a:defRPr>
+            </a:lvl6pPr>
+            <a:lvl7pPr marL="2743200" algn="l" defTabSz="914400" rtl="0" eaLnBrk="1" latinLnBrk="0" hangingPunct="1">
+              <a:defRPr kern="1200">
+                <a:solidFill>
+                  <a:schemeClr val="lt1"/>
+                </a:solidFill>
+                <a:latin typeface="+mn-lt"/>
+                <a:ea typeface="+mn-ea"/>
+                <a:cs typeface="+mn-cs"/>
+              </a:defRPr>
+            </a:lvl7pPr>
+            <a:lvl8pPr marL="3200400" algn="l" defTabSz="914400" rtl="0" eaLnBrk="1" latinLnBrk="0" hangingPunct="1">
+              <a:defRPr kern="1200">
+                <a:solidFill>
+                  <a:schemeClr val="lt1"/>
+                </a:solidFill>
+                <a:latin typeface="+mn-lt"/>
+                <a:ea typeface="+mn-ea"/>
+                <a:cs typeface="+mn-cs"/>
+              </a:defRPr>
+            </a:lvl8pPr>
+            <a:lvl9pPr marL="3657600" algn="l" defTabSz="914400" rtl="0" eaLnBrk="1" latinLnBrk="0" hangingPunct="1">
+              <a:defRPr kern="1200">
+                <a:solidFill>
+                  <a:schemeClr val="lt1"/>
+                </a:solidFill>
+                <a:latin typeface="+mn-lt"/>
+                <a:ea typeface="+mn-ea"/>
+                <a:cs typeface="+mn-cs"/>
+              </a:defRPr>
+            </a:lvl9pPr>
+          </a:lstStyle>
+          <a:p>
+            <a:pPr defTabSz="872733"/>
+            <a:r>
+              <a:rPr lang="en-US" sz="1500" dirty="0">
+                <a:solidFill>
+                  <a:prstClr val="black"/>
+                </a:solidFill>
+                <a:cs typeface="Arial" charset="0"/>
+              </a:rPr>
+              <a:t>find items</a:t>
+            </a:r>
+          </a:p>
+        </p:txBody>
+      </p:sp>
     </p:spTree>
     <p:extLst>
       <p:ext uri="{BB962C8B-B14F-4D97-AF65-F5344CB8AC3E}">

--- a/docs/slides/Find.pptx
+++ b/docs/slides/Find.pptx
@@ -3983,7 +3983,7 @@
         </p:nvSpPr>
         <p:spPr>
           <a:xfrm>
-            <a:off x="5749092" y="4455359"/>
+            <a:off x="5885873" y="4435262"/>
             <a:ext cx="2480509" cy="528528"/>
           </a:xfrm>
           <a:prstGeom prst="rect">
@@ -5053,7 +5053,7 @@
           <a:p>
             <a:pPr algn="ctr"/>
             <a:r>
-              <a:rPr lang="en-SG" sz="1300" dirty="0">
+              <a:rPr lang="en-SG" sz="1500" dirty="0">
                 <a:latin typeface="Calibri"/>
                 <a:ea typeface="Calibri"/>
                 <a:cs typeface="Calibri"/>
@@ -5061,7 +5061,7 @@
               </a:rPr>
               <a:t>:Duke</a:t>
             </a:r>
-            <a:endParaRPr sz="1300" dirty="0"/>
+            <a:endParaRPr sz="1500" dirty="0"/>
           </a:p>
         </p:txBody>
       </p:sp>
@@ -5134,7 +5134,7 @@
           <a:p>
             <a:pPr algn="ctr"/>
             <a:r>
-              <a:rPr lang="en" sz="1300" dirty="0">
+              <a:rPr lang="en" sz="1500" dirty="0">
                 <a:latin typeface="Calibri"/>
                 <a:ea typeface="Calibri"/>
                 <a:cs typeface="Calibri"/>
@@ -5142,7 +5142,7 @@
               </a:rPr>
               <a:t>:Parser</a:t>
             </a:r>
-            <a:endParaRPr sz="1300" dirty="0"/>
+            <a:endParaRPr sz="1500" dirty="0"/>
           </a:p>
         </p:txBody>
       </p:sp>
@@ -5161,9 +5161,9 @@
         <p:grpSpPr>
           <a:xfrm>
             <a:off x="7315200" y="3140072"/>
-            <a:ext cx="1577356" cy="3192315"/>
+            <a:ext cx="1678526" cy="3212040"/>
             <a:chOff x="7440922" y="3140072"/>
-            <a:chExt cx="1577356" cy="3192315"/>
+            <a:chExt cx="1678526" cy="3212040"/>
           </a:xfrm>
         </p:grpSpPr>
         <p:sp>
@@ -5182,7 +5182,7 @@
           </p:nvSpPr>
           <p:spPr bwMode="auto">
             <a:xfrm>
-              <a:off x="8229600" y="3740236"/>
+              <a:off x="8279122" y="3759961"/>
               <a:ext cx="0" cy="2592151"/>
             </a:xfrm>
             <a:prstGeom prst="line">
@@ -5241,7 +5241,7 @@
           <p:spPr>
             <a:xfrm>
               <a:off x="7440922" y="3140072"/>
-              <a:ext cx="1577356" cy="600164"/>
+              <a:ext cx="1678526" cy="600164"/>
             </a:xfrm>
             <a:prstGeom prst="rect">
               <a:avLst/>
@@ -5301,14 +5301,14 @@
                 <a:buNone/>
               </a:pPr>
               <a:r>
-                <a:rPr lang="en-US" sz="1400" dirty="0" err="1">
+                <a:rPr lang="en-US" sz="1500" dirty="0" err="1">
                   <a:solidFill>
                     <a:prstClr val="black"/>
                   </a:solidFill>
                 </a:rPr>
                 <a:t>items:ShoppingList</a:t>
               </a:r>
-              <a:endParaRPr lang="en-US" sz="1400" dirty="0">
+              <a:endParaRPr lang="en-US" sz="1500" dirty="0">
                 <a:solidFill>
                   <a:prstClr val="black"/>
                 </a:solidFill>
@@ -5331,10 +5331,10 @@
         </p:nvGrpSpPr>
         <p:grpSpPr>
           <a:xfrm>
-            <a:off x="5749092" y="4390140"/>
-            <a:ext cx="3311384" cy="381000"/>
-            <a:chOff x="5749091" y="4412571"/>
-            <a:chExt cx="3311384" cy="381000"/>
+            <a:off x="5885873" y="4362498"/>
+            <a:ext cx="3258127" cy="381000"/>
+            <a:chOff x="5885872" y="4384929"/>
+            <a:chExt cx="3258127" cy="381000"/>
           </a:xfrm>
         </p:grpSpPr>
         <p:sp>
@@ -5351,7 +5351,7 @@
           </p:nvSpPr>
           <p:spPr>
             <a:xfrm flipV="1">
-              <a:off x="5749091" y="4477790"/>
+              <a:off x="5885872" y="4462733"/>
               <a:ext cx="575508" cy="243970"/>
             </a:xfrm>
             <a:prstGeom prst="snip1Rect">
@@ -5411,7 +5411,7 @@
           </p:nvSpPr>
           <p:spPr bwMode="auto">
             <a:xfrm>
-              <a:off x="5867399" y="4412571"/>
+              <a:off x="5950923" y="4384929"/>
               <a:ext cx="3193076" cy="381000"/>
             </a:xfrm>
             <a:prstGeom prst="rect">
@@ -5594,7 +5594,7 @@
         </p:nvSpPr>
         <p:spPr bwMode="auto">
           <a:xfrm>
-            <a:off x="6494246" y="4577344"/>
+            <a:off x="6587364" y="4486465"/>
             <a:ext cx="958147" cy="381000"/>
           </a:xfrm>
           <a:prstGeom prst="rect">

--- a/docs/slides/Find.pptx
+++ b/docs/slides/Find.pptx
@@ -357,7 +357,7 @@
           <a:p>
             <a:fld id="{9629A0FB-7277-41B0-BEC2-EE35F8B0CE39}" type="datetimeFigureOut">
               <a:rPr lang="en-SG" smtClean="0"/>
-              <a:t>5/4/2020</a:t>
+              <a:t>9/4/2020</a:t>
             </a:fld>
             <a:endParaRPr lang="en-SG"/>
           </a:p>
@@ -3971,104 +3971,6 @@
       </p:grpSpPr>
       <p:sp>
         <p:nvSpPr>
-          <p:cNvPr id="39" name="Rectangle 38">
-            <a:extLst>
-              <a:ext uri="{FF2B5EF4-FFF2-40B4-BE49-F238E27FC236}">
-                <a16:creationId xmlns:a16="http://schemas.microsoft.com/office/drawing/2014/main" id="{069FB1D7-E062-43EA-B914-35B271702825}"/>
-              </a:ext>
-            </a:extLst>
-          </p:cNvPr>
-          <p:cNvSpPr/>
-          <p:nvPr/>
-        </p:nvSpPr>
-        <p:spPr>
-          <a:xfrm>
-            <a:off x="5885873" y="4435262"/>
-            <a:ext cx="2480509" cy="528528"/>
-          </a:xfrm>
-          <a:prstGeom prst="rect">
-            <a:avLst/>
-          </a:prstGeom>
-          <a:gradFill rotWithShape="1">
-            <a:gsLst>
-              <a:gs pos="0">
-                <a:srgbClr val="4F81BD">
-                  <a:tint val="50000"/>
-                  <a:satMod val="300000"/>
-                </a:srgbClr>
-              </a:gs>
-              <a:gs pos="35000">
-                <a:srgbClr val="4F81BD">
-                  <a:tint val="37000"/>
-                  <a:satMod val="300000"/>
-                </a:srgbClr>
-              </a:gs>
-              <a:gs pos="100000">
-                <a:srgbClr val="4F81BD">
-                  <a:tint val="15000"/>
-                  <a:satMod val="350000"/>
-                </a:srgbClr>
-              </a:gs>
-            </a:gsLst>
-            <a:lin ang="16200000" scaled="1"/>
-          </a:gradFill>
-          <a:ln w="9525" cap="flat" cmpd="sng" algn="ctr">
-            <a:solidFill>
-              <a:srgbClr val="4F81BD">
-                <a:shade val="95000"/>
-                <a:satMod val="105000"/>
-              </a:srgbClr>
-            </a:solidFill>
-            <a:prstDash val="solid"/>
-          </a:ln>
-          <a:effectLst>
-            <a:outerShdw blurRad="40000" dist="20000" dir="5400000" rotWithShape="0">
-              <a:srgbClr val="000000">
-                <a:alpha val="38000"/>
-              </a:srgbClr>
-            </a:outerShdw>
-          </a:effectLst>
-        </p:spPr>
-        <p:txBody>
-          <a:bodyPr rtlCol="0" anchor="ctr"/>
-          <a:lstStyle/>
-          <a:p>
-            <a:pPr marL="0" marR="0" lvl="0" indent="0" algn="ctr" defTabSz="914400" eaLnBrk="1" fontAlgn="auto" latinLnBrk="0" hangingPunct="1">
-              <a:lnSpc>
-                <a:spcPct val="100000"/>
-              </a:lnSpc>
-              <a:spcBef>
-                <a:spcPts val="0"/>
-              </a:spcBef>
-              <a:spcAft>
-                <a:spcPts val="0"/>
-              </a:spcAft>
-              <a:buClrTx/>
-              <a:buSzTx/>
-              <a:buFontTx/>
-              <a:buNone/>
-              <a:tabLst/>
-              <a:defRPr/>
-            </a:pPr>
-            <a:endParaRPr kumimoji="0" lang="en-SG" sz="1800" b="0" i="0" u="none" strike="noStrike" kern="0" cap="none" spc="0" normalizeH="0" baseline="0" noProof="0" dirty="0">
-              <a:ln>
-                <a:noFill/>
-              </a:ln>
-              <a:solidFill>
-                <a:prstClr val="black"/>
-              </a:solidFill>
-              <a:effectLst/>
-              <a:uLnTx/>
-              <a:uFillTx/>
-              <a:latin typeface="Calibri"/>
-              <a:ea typeface="+mn-ea"/>
-              <a:cs typeface="+mn-cs"/>
-            </a:endParaRPr>
-          </a:p>
-        </p:txBody>
-      </p:sp>
-      <p:sp>
-        <p:nvSpPr>
           <p:cNvPr id="5" name="Line 13"/>
           <p:cNvSpPr>
             <a:spLocks noChangeShapeType="1"/>
@@ -5054,7 +4956,6 @@
             <a:pPr algn="ctr"/>
             <a:r>
               <a:rPr lang="en-SG" sz="1500" dirty="0">
-                <a:latin typeface="Calibri"/>
                 <a:ea typeface="Calibri"/>
                 <a:cs typeface="Calibri"/>
                 <a:sym typeface="Calibri"/>
@@ -5135,7 +5036,6 @@
             <a:pPr algn="ctr"/>
             <a:r>
               <a:rPr lang="en" sz="1500" dirty="0">
-                <a:latin typeface="Calibri"/>
                 <a:ea typeface="Calibri"/>
                 <a:cs typeface="Calibri"/>
                 <a:sym typeface="Calibri"/>
@@ -5146,177 +5046,163 @@
           </a:p>
         </p:txBody>
       </p:sp>
-      <p:grpSp>
-        <p:nvGrpSpPr>
-          <p:cNvPr id="2" name="Group 1">
+      <p:sp>
+        <p:nvSpPr>
+          <p:cNvPr id="52" name="Line 13">
             <a:extLst>
               <a:ext uri="{FF2B5EF4-FFF2-40B4-BE49-F238E27FC236}">
-                <a16:creationId xmlns:a16="http://schemas.microsoft.com/office/drawing/2014/main" id="{B4E94E5F-2A73-40BC-84D2-9F80E2FC288C}"/>
+                <a16:creationId xmlns:a16="http://schemas.microsoft.com/office/drawing/2014/main" id="{C30F3633-BE5D-441D-9C87-D00C0DFC3E6D}"/>
               </a:ext>
             </a:extLst>
           </p:cNvPr>
-          <p:cNvGrpSpPr/>
+          <p:cNvSpPr>
+            <a:spLocks noChangeShapeType="1"/>
+          </p:cNvSpPr>
           <p:nvPr/>
-        </p:nvGrpSpPr>
-        <p:grpSpPr>
+        </p:nvSpPr>
+        <p:spPr bwMode="auto">
           <a:xfrm>
-            <a:off x="7315200" y="3140072"/>
-            <a:ext cx="1678526" cy="3212040"/>
-            <a:chOff x="7440922" y="3140072"/>
-            <a:chExt cx="1678526" cy="3212040"/>
+            <a:off x="8077200" y="3759961"/>
+            <a:ext cx="0" cy="2592151"/>
           </a:xfrm>
-        </p:grpSpPr>
-        <p:sp>
-          <p:nvSpPr>
-            <p:cNvPr id="52" name="Line 13">
-              <a:extLst>
-                <a:ext uri="{FF2B5EF4-FFF2-40B4-BE49-F238E27FC236}">
-                  <a16:creationId xmlns:a16="http://schemas.microsoft.com/office/drawing/2014/main" id="{C30F3633-BE5D-441D-9C87-D00C0DFC3E6D}"/>
-                </a:ext>
-              </a:extLst>
-            </p:cNvPr>
-            <p:cNvSpPr>
-              <a:spLocks noChangeShapeType="1"/>
-            </p:cNvSpPr>
-            <p:nvPr/>
-          </p:nvSpPr>
-          <p:spPr bwMode="auto">
-            <a:xfrm>
-              <a:off x="8279122" y="3759961"/>
-              <a:ext cx="0" cy="2592151"/>
-            </a:xfrm>
-            <a:prstGeom prst="line">
-              <a:avLst/>
-            </a:prstGeom>
-            <a:ln>
+          <a:prstGeom prst="line">
+            <a:avLst/>
+          </a:prstGeom>
+          <a:ln>
+            <a:solidFill>
+              <a:schemeClr val="bg2">
+                <a:lumMod val="50000"/>
+              </a:schemeClr>
+            </a:solidFill>
+            <a:prstDash val="sysDash"/>
+            <a:headEnd/>
+            <a:tailEnd/>
+          </a:ln>
+        </p:spPr>
+        <p:style>
+          <a:lnRef idx="2">
+            <a:schemeClr val="accent4"/>
+          </a:lnRef>
+          <a:fillRef idx="0">
+            <a:schemeClr val="accent4"/>
+          </a:fillRef>
+          <a:effectRef idx="1">
+            <a:schemeClr val="accent4"/>
+          </a:effectRef>
+          <a:fontRef idx="minor">
+            <a:schemeClr val="tx1"/>
+          </a:fontRef>
+        </p:style>
+        <p:txBody>
+          <a:bodyPr/>
+          <a:lstStyle/>
+          <a:p>
+            <a:pPr defTabSz="872733"/>
+            <a:endParaRPr lang="en-US" sz="1500">
               <a:solidFill>
-                <a:schemeClr val="bg2">
-                  <a:lumMod val="50000"/>
-                </a:schemeClr>
+                <a:prstClr val="black"/>
               </a:solidFill>
-              <a:prstDash val="sysDash"/>
-              <a:headEnd/>
-              <a:tailEnd/>
-            </a:ln>
-          </p:spPr>
-          <p:style>
-            <a:lnRef idx="2">
-              <a:schemeClr val="accent4"/>
-            </a:lnRef>
-            <a:fillRef idx="0">
-              <a:schemeClr val="accent4"/>
-            </a:fillRef>
-            <a:effectRef idx="1">
-              <a:schemeClr val="accent4"/>
-            </a:effectRef>
-            <a:fontRef idx="minor">
-              <a:schemeClr val="tx1"/>
-            </a:fontRef>
-          </p:style>
-          <p:txBody>
-            <a:bodyPr/>
-            <a:lstStyle/>
-            <a:p>
-              <a:pPr defTabSz="872733"/>
-              <a:endParaRPr lang="en-US" sz="1500">
-                <a:solidFill>
-                  <a:prstClr val="black"/>
-                </a:solidFill>
-              </a:endParaRPr>
-            </a:p>
-          </p:txBody>
-        </p:sp>
-        <p:sp>
-          <p:nvSpPr>
-            <p:cNvPr id="37" name="Google Shape;62;p14">
-              <a:extLst>
-                <a:ext uri="{FF2B5EF4-FFF2-40B4-BE49-F238E27FC236}">
-                  <a16:creationId xmlns:a16="http://schemas.microsoft.com/office/drawing/2014/main" id="{4DEA7E43-85C9-429F-821F-D85286724AC3}"/>
-                </a:ext>
-              </a:extLst>
-            </p:cNvPr>
-            <p:cNvSpPr/>
-            <p:nvPr/>
-          </p:nvSpPr>
-          <p:spPr>
-            <a:xfrm>
-              <a:off x="7440922" y="3140072"/>
-              <a:ext cx="1678526" cy="600164"/>
-            </a:xfrm>
-            <a:prstGeom prst="rect">
-              <a:avLst/>
-            </a:prstGeom>
-            <a:gradFill flip="none" rotWithShape="1">
-              <a:gsLst>
-                <a:gs pos="0">
-                  <a:srgbClr val="C4B597">
-                    <a:tint val="66000"/>
-                    <a:satMod val="160000"/>
-                  </a:srgbClr>
-                </a:gs>
-                <a:gs pos="50000">
-                  <a:srgbClr val="C4B597">
-                    <a:tint val="44500"/>
-                    <a:satMod val="160000"/>
-                  </a:srgbClr>
-                </a:gs>
-                <a:gs pos="100000">
-                  <a:srgbClr val="C4B597">
-                    <a:tint val="23500"/>
-                    <a:satMod val="160000"/>
-                  </a:srgbClr>
-                </a:gs>
-              </a:gsLst>
-              <a:lin ang="16200000" scaled="1"/>
-              <a:tileRect/>
-            </a:gradFill>
-            <a:ln w="19050" cap="flat" cmpd="sng">
+            </a:endParaRPr>
+          </a:p>
+        </p:txBody>
+      </p:sp>
+      <p:sp>
+        <p:nvSpPr>
+          <p:cNvPr id="39" name="Rectangle 38">
+            <a:extLst>
+              <a:ext uri="{FF2B5EF4-FFF2-40B4-BE49-F238E27FC236}">
+                <a16:creationId xmlns:a16="http://schemas.microsoft.com/office/drawing/2014/main" id="{069FB1D7-E062-43EA-B914-35B271702825}"/>
+              </a:ext>
+            </a:extLst>
+          </p:cNvPr>
+          <p:cNvSpPr/>
+          <p:nvPr/>
+        </p:nvSpPr>
+        <p:spPr>
+          <a:xfrm>
+            <a:off x="5885873" y="4435262"/>
+            <a:ext cx="2480509" cy="528528"/>
+          </a:xfrm>
+          <a:prstGeom prst="rect">
+            <a:avLst/>
+          </a:prstGeom>
+          <a:gradFill rotWithShape="1">
+            <a:gsLst>
+              <a:gs pos="0">
+                <a:srgbClr val="4F81BD">
+                  <a:tint val="50000"/>
+                  <a:satMod val="300000"/>
+                </a:srgbClr>
+              </a:gs>
+              <a:gs pos="35000">
+                <a:srgbClr val="4F81BD">
+                  <a:tint val="37000"/>
+                  <a:satMod val="300000"/>
+                </a:srgbClr>
+              </a:gs>
+              <a:gs pos="100000">
+                <a:srgbClr val="4F81BD">
+                  <a:tint val="15000"/>
+                  <a:satMod val="350000"/>
+                </a:srgbClr>
+              </a:gs>
+            </a:gsLst>
+            <a:lin ang="16200000" scaled="1"/>
+          </a:gradFill>
+          <a:ln w="9525" cap="flat" cmpd="sng" algn="ctr">
+            <a:solidFill>
+              <a:srgbClr val="4F81BD">
+                <a:shade val="95000"/>
+                <a:satMod val="105000"/>
+              </a:srgbClr>
+            </a:solidFill>
+            <a:prstDash val="solid"/>
+          </a:ln>
+          <a:effectLst>
+            <a:outerShdw blurRad="40000" dist="20000" dir="5400000" rotWithShape="0">
+              <a:srgbClr val="000000">
+                <a:alpha val="38000"/>
+              </a:srgbClr>
+            </a:outerShdw>
+          </a:effectLst>
+        </p:spPr>
+        <p:txBody>
+          <a:bodyPr rtlCol="0" anchor="ctr"/>
+          <a:lstStyle/>
+          <a:p>
+            <a:pPr marL="0" marR="0" lvl="0" indent="0" algn="ctr" defTabSz="914400" eaLnBrk="1" fontAlgn="auto" latinLnBrk="0" hangingPunct="1">
+              <a:lnSpc>
+                <a:spcPct val="100000"/>
+              </a:lnSpc>
+              <a:spcBef>
+                <a:spcPts val="0"/>
+              </a:spcBef>
+              <a:spcAft>
+                <a:spcPts val="0"/>
+              </a:spcAft>
+              <a:buClrTx/>
+              <a:buSzTx/>
+              <a:buFontTx/>
+              <a:buNone/>
+              <a:tabLst/>
+              <a:defRPr/>
+            </a:pPr>
+            <a:endParaRPr kumimoji="0" lang="en-SG" sz="1500" b="0" i="0" u="none" strike="noStrike" kern="0" cap="none" spc="0" normalizeH="0" baseline="0" noProof="0" dirty="0">
+              <a:ln>
+                <a:noFill/>
+              </a:ln>
               <a:solidFill>
-                <a:srgbClr val="AB966D"/>
+                <a:prstClr val="black"/>
               </a:solidFill>
-              <a:prstDash val="solid"/>
-              <a:round/>
-              <a:headEnd type="none" w="sm" len="sm"/>
-              <a:tailEnd type="none" w="sm" len="sm"/>
-            </a:ln>
-            <a:effectLst>
-              <a:outerShdw blurRad="40000" dist="20000" dir="5400000" rotWithShape="0">
-                <a:srgbClr val="000000">
-                  <a:alpha val="37650"/>
-                </a:srgbClr>
-              </a:outerShdw>
-            </a:effectLst>
-          </p:spPr>
-          <p:txBody>
-            <a:bodyPr spcFirstLastPara="1" wrap="square" lIns="91425" tIns="45700" rIns="91425" bIns="45700" anchor="ctr" anchorCtr="0">
-              <a:noAutofit/>
-            </a:bodyPr>
-            <a:lstStyle/>
-            <a:p>
-              <a:pPr algn="ctr" defTabSz="872733">
-                <a:spcBef>
-                  <a:spcPct val="50000"/>
-                </a:spcBef>
-                <a:buFont typeface="Wingdings" pitchFamily="2" charset="2"/>
-                <a:buNone/>
-              </a:pPr>
-              <a:r>
-                <a:rPr lang="en-US" sz="1500" dirty="0" err="1">
-                  <a:solidFill>
-                    <a:prstClr val="black"/>
-                  </a:solidFill>
-                </a:rPr>
-                <a:t>items:ShoppingList</a:t>
-              </a:r>
-              <a:endParaRPr lang="en-US" sz="1500" dirty="0">
-                <a:solidFill>
-                  <a:prstClr val="black"/>
-                </a:solidFill>
-              </a:endParaRPr>
-            </a:p>
-          </p:txBody>
-        </p:sp>
-      </p:grpSp>
+              <a:effectLst/>
+              <a:uLnTx/>
+              <a:uFillTx/>
+              <a:ea typeface="+mn-ea"/>
+              <a:cs typeface="+mn-cs"/>
+            </a:endParaRPr>
+          </a:p>
+        </p:txBody>
+      </p:sp>
       <p:grpSp>
         <p:nvGrpSpPr>
           <p:cNvPr id="4" name="Group 3">
@@ -5389,7 +5275,7 @@
             <a:lstStyle/>
             <a:p>
               <a:pPr algn="ctr" defTabSz="872733"/>
-              <a:endParaRPr lang="en-US" sz="2000">
+              <a:endParaRPr lang="en-US" sz="1500">
                 <a:solidFill>
                   <a:prstClr val="black"/>
                 </a:solidFill>
@@ -5594,7 +5480,7 @@
         </p:nvSpPr>
         <p:spPr bwMode="auto">
           <a:xfrm>
-            <a:off x="6587364" y="4486465"/>
+            <a:off x="6723958" y="4493772"/>
             <a:ext cx="958147" cy="381000"/>
           </a:xfrm>
           <a:prstGeom prst="rect">
@@ -5759,6 +5645,110 @@
               </a:rPr>
               <a:t>find items</a:t>
             </a:r>
+          </a:p>
+        </p:txBody>
+      </p:sp>
+      <p:sp>
+        <p:nvSpPr>
+          <p:cNvPr id="40" name="Google Shape;62;p14">
+            <a:extLst>
+              <a:ext uri="{FF2B5EF4-FFF2-40B4-BE49-F238E27FC236}">
+                <a16:creationId xmlns:a16="http://schemas.microsoft.com/office/drawing/2014/main" id="{75A19E7B-E4B0-499C-8994-D800AC4084C4}"/>
+              </a:ext>
+            </a:extLst>
+          </p:cNvPr>
+          <p:cNvSpPr/>
+          <p:nvPr/>
+        </p:nvSpPr>
+        <p:spPr>
+          <a:xfrm>
+            <a:off x="7080209" y="3139983"/>
+            <a:ext cx="1943428" cy="600164"/>
+          </a:xfrm>
+          <a:prstGeom prst="rect">
+            <a:avLst/>
+          </a:prstGeom>
+          <a:gradFill flip="none" rotWithShape="1">
+            <a:gsLst>
+              <a:gs pos="0">
+                <a:srgbClr val="C4B597">
+                  <a:tint val="66000"/>
+                  <a:satMod val="160000"/>
+                </a:srgbClr>
+              </a:gs>
+              <a:gs pos="50000">
+                <a:srgbClr val="C4B597">
+                  <a:tint val="44500"/>
+                  <a:satMod val="160000"/>
+                </a:srgbClr>
+              </a:gs>
+              <a:gs pos="100000">
+                <a:srgbClr val="C4B597">
+                  <a:tint val="23500"/>
+                  <a:satMod val="160000"/>
+                </a:srgbClr>
+              </a:gs>
+            </a:gsLst>
+            <a:lin ang="16200000" scaled="1"/>
+            <a:tileRect/>
+          </a:gradFill>
+          <a:ln w="19050" cap="flat" cmpd="sng">
+            <a:solidFill>
+              <a:srgbClr val="AB966D"/>
+            </a:solidFill>
+            <a:prstDash val="solid"/>
+            <a:round/>
+            <a:headEnd type="none" w="sm" len="sm"/>
+            <a:tailEnd type="none" w="sm" len="sm"/>
+          </a:ln>
+          <a:effectLst>
+            <a:outerShdw blurRad="40000" dist="20000" dir="5400000" rotWithShape="0">
+              <a:srgbClr val="000000">
+                <a:alpha val="37650"/>
+              </a:srgbClr>
+            </a:outerShdw>
+          </a:effectLst>
+        </p:spPr>
+        <p:txBody>
+          <a:bodyPr spcFirstLastPara="1" wrap="square" lIns="91425" tIns="45700" rIns="91425" bIns="45700" anchor="ctr" anchorCtr="0">
+            <a:noAutofit/>
+          </a:bodyPr>
+          <a:lstStyle/>
+          <a:p>
+            <a:pPr algn="ctr"/>
+            <a:endParaRPr lang="en-US" sz="1500" kern="0" dirty="0">
+              <a:solidFill>
+                <a:prstClr val="black"/>
+              </a:solidFill>
+            </a:endParaRPr>
+          </a:p>
+          <a:p>
+            <a:pPr algn="ctr"/>
+            <a:r>
+              <a:rPr lang="en-US" sz="1500" kern="0" dirty="0" err="1">
+                <a:solidFill>
+                  <a:prstClr val="black"/>
+                </a:solidFill>
+              </a:rPr>
+              <a:t>items:ShoppingList</a:t>
+            </a:r>
+            <a:endParaRPr lang="en-US" sz="1500" kern="0" dirty="0">
+              <a:solidFill>
+                <a:prstClr val="black"/>
+              </a:solidFill>
+            </a:endParaRPr>
+          </a:p>
+          <a:p>
+            <a:pPr marL="0" marR="0" lvl="0" indent="0" algn="ctr" rtl="0">
+              <a:spcBef>
+                <a:spcPts val="0"/>
+              </a:spcBef>
+              <a:spcAft>
+                <a:spcPts val="0"/>
+              </a:spcAft>
+              <a:buNone/>
+            </a:pPr>
+            <a:endParaRPr sz="1500" dirty="0"/>
           </a:p>
         </p:txBody>
       </p:sp>
